--- a/Presentation.pptx
+++ b/Presentation.pptx
@@ -1,9 +1,12 @@
 
 <file path=ppt/presentation.xml><?xml version="1.0" encoding="utf-8"?>
-<p:presentation xmlns:a="http://schemas.openxmlformats.org/drawingml/2006/main" xmlns:r="http://schemas.openxmlformats.org/officeDocument/2006/relationships" xmlns:p="http://schemas.openxmlformats.org/presentationml/2006/main" saveSubsetFonts="1">
+<p:presentation xmlns:a="http://schemas.openxmlformats.org/drawingml/2006/main" xmlns:r="http://schemas.openxmlformats.org/officeDocument/2006/relationships" xmlns:p="http://schemas.openxmlformats.org/presentationml/2006/main" showSpecialPlsOnTitleSld="0" saveSubsetFonts="1">
   <p:sldMasterIdLst>
     <p:sldMasterId id="2147483648" r:id="rId1"/>
   </p:sldMasterIdLst>
+  <p:notesMasterIdLst>
+    <p:notesMasterId r:id="rId35"/>
+  </p:notesMasterIdLst>
   <p:sldIdLst>
     <p:sldId id="256" r:id="rId2"/>
     <p:sldId id="257" r:id="rId3"/>
@@ -4276,6 +4279,356 @@
 </dgm:styleDef>
 </file>
 
+<file path=ppt/notesMasters/notesMaster1.xml><?xml version="1.0" encoding="utf-8"?>
+<p:notesMaster xmlns:a="http://schemas.openxmlformats.org/drawingml/2006/main" xmlns:r="http://schemas.openxmlformats.org/officeDocument/2006/relationships" xmlns:p="http://schemas.openxmlformats.org/presentationml/2006/main">
+  <p:cSld>
+    <p:bg>
+      <p:bgRef idx="1001">
+        <a:schemeClr val="bg1"/>
+      </p:bgRef>
+    </p:bg>
+    <p:spTree>
+      <p:nvGrpSpPr>
+        <p:cNvPr id="1" name=""/>
+        <p:cNvGrpSpPr/>
+        <p:nvPr/>
+      </p:nvGrpSpPr>
+      <p:grpSpPr>
+        <a:xfrm>
+          <a:off x="0" y="0"/>
+          <a:ext cx="0" cy="0"/>
+          <a:chOff x="0" y="0"/>
+          <a:chExt cx="0" cy="0"/>
+        </a:xfrm>
+      </p:grpSpPr>
+      <p:sp>
+        <p:nvSpPr>
+          <p:cNvPr id="2" name="Header Placeholder 1"/>
+          <p:cNvSpPr>
+            <a:spLocks noGrp="1"/>
+          </p:cNvSpPr>
+          <p:nvPr>
+            <p:ph type="hdr" sz="quarter"/>
+          </p:nvPr>
+        </p:nvSpPr>
+        <p:spPr>
+          <a:xfrm>
+            <a:off x="0" y="0"/>
+            <a:ext cx="2971800" cy="458788"/>
+          </a:xfrm>
+          <a:prstGeom prst="rect">
+            <a:avLst/>
+          </a:prstGeom>
+        </p:spPr>
+        <p:txBody>
+          <a:bodyPr vert="horz" lIns="91440" tIns="45720" rIns="91440" bIns="45720" rtlCol="0"/>
+          <a:lstStyle>
+            <a:lvl1pPr algn="l">
+              <a:defRPr sz="1200"/>
+            </a:lvl1pPr>
+          </a:lstStyle>
+          <a:p>
+            <a:endParaRPr lang="en-US"/>
+          </a:p>
+        </p:txBody>
+      </p:sp>
+      <p:sp>
+        <p:nvSpPr>
+          <p:cNvPr id="3" name="Date Placeholder 2"/>
+          <p:cNvSpPr>
+            <a:spLocks noGrp="1"/>
+          </p:cNvSpPr>
+          <p:nvPr>
+            <p:ph type="dt" idx="1"/>
+          </p:nvPr>
+        </p:nvSpPr>
+        <p:spPr>
+          <a:xfrm>
+            <a:off x="3884613" y="0"/>
+            <a:ext cx="2971800" cy="458788"/>
+          </a:xfrm>
+          <a:prstGeom prst="rect">
+            <a:avLst/>
+          </a:prstGeom>
+        </p:spPr>
+        <p:txBody>
+          <a:bodyPr vert="horz" lIns="91440" tIns="45720" rIns="91440" bIns="45720" rtlCol="0"/>
+          <a:lstStyle>
+            <a:lvl1pPr algn="r">
+              <a:defRPr sz="1200"/>
+            </a:lvl1pPr>
+          </a:lstStyle>
+          <a:p>
+            <a:fld id="{E809A527-F6DC-4903-BF50-06A3BC073047}" type="datetimeFigureOut">
+              <a:rPr lang="en-US" smtClean="0"/>
+              <a:t>4/8/2025</a:t>
+            </a:fld>
+            <a:endParaRPr lang="en-US"/>
+          </a:p>
+        </p:txBody>
+      </p:sp>
+      <p:sp>
+        <p:nvSpPr>
+          <p:cNvPr id="4" name="Slide Image Placeholder 3"/>
+          <p:cNvSpPr>
+            <a:spLocks noGrp="1" noRot="1" noChangeAspect="1"/>
+          </p:cNvSpPr>
+          <p:nvPr>
+            <p:ph type="sldImg" idx="2"/>
+          </p:nvPr>
+        </p:nvSpPr>
+        <p:spPr>
+          <a:xfrm>
+            <a:off x="685800" y="1143000"/>
+            <a:ext cx="5486400" cy="3086100"/>
+          </a:xfrm>
+          <a:prstGeom prst="rect">
+            <a:avLst/>
+          </a:prstGeom>
+          <a:noFill/>
+          <a:ln w="12700">
+            <a:solidFill>
+              <a:prstClr val="black"/>
+            </a:solidFill>
+          </a:ln>
+        </p:spPr>
+        <p:txBody>
+          <a:bodyPr vert="horz" lIns="91440" tIns="45720" rIns="91440" bIns="45720" rtlCol="0" anchor="ctr"/>
+          <a:lstStyle/>
+          <a:p>
+            <a:endParaRPr lang="en-US"/>
+          </a:p>
+        </p:txBody>
+      </p:sp>
+      <p:sp>
+        <p:nvSpPr>
+          <p:cNvPr id="5" name="Notes Placeholder 4"/>
+          <p:cNvSpPr>
+            <a:spLocks noGrp="1"/>
+          </p:cNvSpPr>
+          <p:nvPr>
+            <p:ph type="body" sz="quarter" idx="3"/>
+          </p:nvPr>
+        </p:nvSpPr>
+        <p:spPr>
+          <a:xfrm>
+            <a:off x="685800" y="4400550"/>
+            <a:ext cx="5486400" cy="3600450"/>
+          </a:xfrm>
+          <a:prstGeom prst="rect">
+            <a:avLst/>
+          </a:prstGeom>
+        </p:spPr>
+        <p:txBody>
+          <a:bodyPr vert="horz" lIns="91440" tIns="45720" rIns="91440" bIns="45720" rtlCol="0"/>
+          <a:lstStyle/>
+          <a:p>
+            <a:pPr lvl="0"/>
+            <a:r>
+              <a:rPr lang="en-US" smtClean="0"/>
+              <a:t>Edit Master text styles</a:t>
+            </a:r>
+          </a:p>
+          <a:p>
+            <a:pPr lvl="1"/>
+            <a:r>
+              <a:rPr lang="en-US" smtClean="0"/>
+              <a:t>Second level</a:t>
+            </a:r>
+          </a:p>
+          <a:p>
+            <a:pPr lvl="2"/>
+            <a:r>
+              <a:rPr lang="en-US" smtClean="0"/>
+              <a:t>Third level</a:t>
+            </a:r>
+          </a:p>
+          <a:p>
+            <a:pPr lvl="3"/>
+            <a:r>
+              <a:rPr lang="en-US" smtClean="0"/>
+              <a:t>Fourth level</a:t>
+            </a:r>
+          </a:p>
+          <a:p>
+            <a:pPr lvl="4"/>
+            <a:r>
+              <a:rPr lang="en-US" smtClean="0"/>
+              <a:t>Fifth level</a:t>
+            </a:r>
+            <a:endParaRPr lang="en-US"/>
+          </a:p>
+        </p:txBody>
+      </p:sp>
+      <p:sp>
+        <p:nvSpPr>
+          <p:cNvPr id="6" name="Footer Placeholder 5"/>
+          <p:cNvSpPr>
+            <a:spLocks noGrp="1"/>
+          </p:cNvSpPr>
+          <p:nvPr>
+            <p:ph type="ftr" sz="quarter" idx="4"/>
+          </p:nvPr>
+        </p:nvSpPr>
+        <p:spPr>
+          <a:xfrm>
+            <a:off x="0" y="8685213"/>
+            <a:ext cx="2971800" cy="458787"/>
+          </a:xfrm>
+          <a:prstGeom prst="rect">
+            <a:avLst/>
+          </a:prstGeom>
+        </p:spPr>
+        <p:txBody>
+          <a:bodyPr vert="horz" lIns="91440" tIns="45720" rIns="91440" bIns="45720" rtlCol="0" anchor="b"/>
+          <a:lstStyle>
+            <a:lvl1pPr algn="l">
+              <a:defRPr sz="1200"/>
+            </a:lvl1pPr>
+          </a:lstStyle>
+          <a:p>
+            <a:endParaRPr lang="en-US"/>
+          </a:p>
+        </p:txBody>
+      </p:sp>
+      <p:sp>
+        <p:nvSpPr>
+          <p:cNvPr id="7" name="Slide Number Placeholder 6"/>
+          <p:cNvSpPr>
+            <a:spLocks noGrp="1"/>
+          </p:cNvSpPr>
+          <p:nvPr>
+            <p:ph type="sldNum" sz="quarter" idx="5"/>
+          </p:nvPr>
+        </p:nvSpPr>
+        <p:spPr>
+          <a:xfrm>
+            <a:off x="3884613" y="8685213"/>
+            <a:ext cx="2971800" cy="458787"/>
+          </a:xfrm>
+          <a:prstGeom prst="rect">
+            <a:avLst/>
+          </a:prstGeom>
+        </p:spPr>
+        <p:txBody>
+          <a:bodyPr vert="horz" lIns="91440" tIns="45720" rIns="91440" bIns="45720" rtlCol="0" anchor="b"/>
+          <a:lstStyle>
+            <a:lvl1pPr algn="r">
+              <a:defRPr sz="1200"/>
+            </a:lvl1pPr>
+          </a:lstStyle>
+          <a:p>
+            <a:fld id="{B8F59039-0B11-4D3E-9293-B6381014730C}" type="slidenum">
+              <a:rPr lang="en-US" smtClean="0"/>
+              <a:t>‹#›</a:t>
+            </a:fld>
+            <a:endParaRPr lang="en-US"/>
+          </a:p>
+        </p:txBody>
+      </p:sp>
+    </p:spTree>
+    <p:extLst>
+      <p:ext uri="{BB962C8B-B14F-4D97-AF65-F5344CB8AC3E}">
+        <p14:creationId xmlns:p14="http://schemas.microsoft.com/office/powerpoint/2010/main" val="4107677967"/>
+      </p:ext>
+    </p:extLst>
+  </p:cSld>
+  <p:clrMap bg1="lt1" tx1="dk1" bg2="lt2" tx2="dk2" accent1="accent1" accent2="accent2" accent3="accent3" accent4="accent4" accent5="accent5" accent6="accent6" hlink="hlink" folHlink="folHlink"/>
+  <p:notesStyle>
+    <a:lvl1pPr marL="0" algn="l" defTabSz="914400" rtl="0" eaLnBrk="1" latinLnBrk="0" hangingPunct="1">
+      <a:defRPr sz="1200" kern="1200">
+        <a:solidFill>
+          <a:schemeClr val="tx1"/>
+        </a:solidFill>
+        <a:latin typeface="+mn-lt"/>
+        <a:ea typeface="+mn-ea"/>
+        <a:cs typeface="+mn-cs"/>
+      </a:defRPr>
+    </a:lvl1pPr>
+    <a:lvl2pPr marL="457200" algn="l" defTabSz="914400" rtl="0" eaLnBrk="1" latinLnBrk="0" hangingPunct="1">
+      <a:defRPr sz="1200" kern="1200">
+        <a:solidFill>
+          <a:schemeClr val="tx1"/>
+        </a:solidFill>
+        <a:latin typeface="+mn-lt"/>
+        <a:ea typeface="+mn-ea"/>
+        <a:cs typeface="+mn-cs"/>
+      </a:defRPr>
+    </a:lvl2pPr>
+    <a:lvl3pPr marL="914400" algn="l" defTabSz="914400" rtl="0" eaLnBrk="1" latinLnBrk="0" hangingPunct="1">
+      <a:defRPr sz="1200" kern="1200">
+        <a:solidFill>
+          <a:schemeClr val="tx1"/>
+        </a:solidFill>
+        <a:latin typeface="+mn-lt"/>
+        <a:ea typeface="+mn-ea"/>
+        <a:cs typeface="+mn-cs"/>
+      </a:defRPr>
+    </a:lvl3pPr>
+    <a:lvl4pPr marL="1371600" algn="l" defTabSz="914400" rtl="0" eaLnBrk="1" latinLnBrk="0" hangingPunct="1">
+      <a:defRPr sz="1200" kern="1200">
+        <a:solidFill>
+          <a:schemeClr val="tx1"/>
+        </a:solidFill>
+        <a:latin typeface="+mn-lt"/>
+        <a:ea typeface="+mn-ea"/>
+        <a:cs typeface="+mn-cs"/>
+      </a:defRPr>
+    </a:lvl4pPr>
+    <a:lvl5pPr marL="1828800" algn="l" defTabSz="914400" rtl="0" eaLnBrk="1" latinLnBrk="0" hangingPunct="1">
+      <a:defRPr sz="1200" kern="1200">
+        <a:solidFill>
+          <a:schemeClr val="tx1"/>
+        </a:solidFill>
+        <a:latin typeface="+mn-lt"/>
+        <a:ea typeface="+mn-ea"/>
+        <a:cs typeface="+mn-cs"/>
+      </a:defRPr>
+    </a:lvl5pPr>
+    <a:lvl6pPr marL="2286000" algn="l" defTabSz="914400" rtl="0" eaLnBrk="1" latinLnBrk="0" hangingPunct="1">
+      <a:defRPr sz="1200" kern="1200">
+        <a:solidFill>
+          <a:schemeClr val="tx1"/>
+        </a:solidFill>
+        <a:latin typeface="+mn-lt"/>
+        <a:ea typeface="+mn-ea"/>
+        <a:cs typeface="+mn-cs"/>
+      </a:defRPr>
+    </a:lvl6pPr>
+    <a:lvl7pPr marL="2743200" algn="l" defTabSz="914400" rtl="0" eaLnBrk="1" latinLnBrk="0" hangingPunct="1">
+      <a:defRPr sz="1200" kern="1200">
+        <a:solidFill>
+          <a:schemeClr val="tx1"/>
+        </a:solidFill>
+        <a:latin typeface="+mn-lt"/>
+        <a:ea typeface="+mn-ea"/>
+        <a:cs typeface="+mn-cs"/>
+      </a:defRPr>
+    </a:lvl7pPr>
+    <a:lvl8pPr marL="3200400" algn="l" defTabSz="914400" rtl="0" eaLnBrk="1" latinLnBrk="0" hangingPunct="1">
+      <a:defRPr sz="1200" kern="1200">
+        <a:solidFill>
+          <a:schemeClr val="tx1"/>
+        </a:solidFill>
+        <a:latin typeface="+mn-lt"/>
+        <a:ea typeface="+mn-ea"/>
+        <a:cs typeface="+mn-cs"/>
+      </a:defRPr>
+    </a:lvl8pPr>
+    <a:lvl9pPr marL="3657600" algn="l" defTabSz="914400" rtl="0" eaLnBrk="1" latinLnBrk="0" hangingPunct="1">
+      <a:defRPr sz="1200" kern="1200">
+        <a:solidFill>
+          <a:schemeClr val="tx1"/>
+        </a:solidFill>
+        <a:latin typeface="+mn-lt"/>
+        <a:ea typeface="+mn-ea"/>
+        <a:cs typeface="+mn-cs"/>
+      </a:defRPr>
+    </a:lvl9pPr>
+  </p:notesStyle>
+</p:notesMaster>
+</file>
+
 <file path=ppt/slideLayouts/slideLayout1.xml><?xml version="1.0" encoding="utf-8"?>
 <p:sldLayout xmlns:a="http://schemas.openxmlformats.org/drawingml/2006/main" xmlns:r="http://schemas.openxmlformats.org/officeDocument/2006/relationships" xmlns:p="http://schemas.openxmlformats.org/presentationml/2006/main" type="title" preserve="1">
   <p:cSld name="Title Slide">
@@ -4405,7 +4758,7 @@
           <a:bodyPr/>
           <a:lstStyle/>
           <a:p>
-            <a:fld id="{63684722-5DC5-437F-8FD3-74BEEDDE0381}" type="datetimeFigureOut">
+            <a:fld id="{FDA23B44-BCB8-465B-A7C1-059505A3BBC9}" type="datetime1">
               <a:rPr lang="en-US" smtClean="0"/>
               <a:t>4/8/2025</a:t>
             </a:fld>
@@ -4428,6 +4781,10 @@
           <a:bodyPr/>
           <a:lstStyle/>
           <a:p>
+            <a:r>
+              <a:rPr lang="en-US" smtClean="0"/>
+              <a:t>Boolean Matching in Logic Synthesis - Sabbir Mahmud Afridi</a:t>
+            </a:r>
             <a:endParaRPr lang="en-US"/>
           </a:p>
         </p:txBody>
@@ -4575,7 +4932,7 @@
           <a:bodyPr/>
           <a:lstStyle/>
           <a:p>
-            <a:fld id="{63684722-5DC5-437F-8FD3-74BEEDDE0381}" type="datetimeFigureOut">
+            <a:fld id="{CC39797C-AEAE-4C95-973E-705B007F7676}" type="datetime1">
               <a:rPr lang="en-US" smtClean="0"/>
               <a:t>4/8/2025</a:t>
             </a:fld>
@@ -4598,6 +4955,10 @@
           <a:bodyPr/>
           <a:lstStyle/>
           <a:p>
+            <a:r>
+              <a:rPr lang="en-US" smtClean="0"/>
+              <a:t>Boolean Matching in Logic Synthesis - Sabbir Mahmud Afridi</a:t>
+            </a:r>
             <a:endParaRPr lang="en-US"/>
           </a:p>
         </p:txBody>
@@ -4755,7 +5116,7 @@
           <a:bodyPr/>
           <a:lstStyle/>
           <a:p>
-            <a:fld id="{63684722-5DC5-437F-8FD3-74BEEDDE0381}" type="datetimeFigureOut">
+            <a:fld id="{D159016A-EFA2-4423-A1AD-42E7F048FFCB}" type="datetime1">
               <a:rPr lang="en-US" smtClean="0"/>
               <a:t>4/8/2025</a:t>
             </a:fld>
@@ -4778,6 +5139,10 @@
           <a:bodyPr/>
           <a:lstStyle/>
           <a:p>
+            <a:r>
+              <a:rPr lang="en-US" smtClean="0"/>
+              <a:t>Boolean Matching in Logic Synthesis - Sabbir Mahmud Afridi</a:t>
+            </a:r>
             <a:endParaRPr lang="en-US"/>
           </a:p>
         </p:txBody>
@@ -4925,7 +5290,7 @@
           <a:bodyPr/>
           <a:lstStyle/>
           <a:p>
-            <a:fld id="{63684722-5DC5-437F-8FD3-74BEEDDE0381}" type="datetimeFigureOut">
+            <a:fld id="{6AFBD2EC-4695-4842-B3FB-082A94D381D7}" type="datetime1">
               <a:rPr lang="en-US" smtClean="0"/>
               <a:t>4/8/2025</a:t>
             </a:fld>
@@ -4948,6 +5313,10 @@
           <a:bodyPr/>
           <a:lstStyle/>
           <a:p>
+            <a:r>
+              <a:rPr lang="en-US" smtClean="0"/>
+              <a:t>Boolean Matching in Logic Synthesis - Sabbir Mahmud Afridi</a:t>
+            </a:r>
             <a:endParaRPr lang="en-US"/>
           </a:p>
         </p:txBody>
@@ -5171,7 +5540,7 @@
           <a:bodyPr/>
           <a:lstStyle/>
           <a:p>
-            <a:fld id="{63684722-5DC5-437F-8FD3-74BEEDDE0381}" type="datetimeFigureOut">
+            <a:fld id="{22D49603-9785-47ED-A33B-F66B7EE90021}" type="datetime1">
               <a:rPr lang="en-US" smtClean="0"/>
               <a:t>4/8/2025</a:t>
             </a:fld>
@@ -5194,6 +5563,10 @@
           <a:bodyPr/>
           <a:lstStyle/>
           <a:p>
+            <a:r>
+              <a:rPr lang="en-US" smtClean="0"/>
+              <a:t>Boolean Matching in Logic Synthesis - Sabbir Mahmud Afridi</a:t>
+            </a:r>
             <a:endParaRPr lang="en-US"/>
           </a:p>
         </p:txBody>
@@ -5403,7 +5776,7 @@
           <a:bodyPr/>
           <a:lstStyle/>
           <a:p>
-            <a:fld id="{63684722-5DC5-437F-8FD3-74BEEDDE0381}" type="datetimeFigureOut">
+            <a:fld id="{0F063C58-13B5-45B0-B97C-C5B625E61BFB}" type="datetime1">
               <a:rPr lang="en-US" smtClean="0"/>
               <a:t>4/8/2025</a:t>
             </a:fld>
@@ -5426,6 +5799,10 @@
           <a:bodyPr/>
           <a:lstStyle/>
           <a:p>
+            <a:r>
+              <a:rPr lang="en-US" smtClean="0"/>
+              <a:t>Boolean Matching in Logic Synthesis - Sabbir Mahmud Afridi</a:t>
+            </a:r>
             <a:endParaRPr lang="en-US"/>
           </a:p>
         </p:txBody>
@@ -5770,7 +6147,7 @@
           <a:bodyPr/>
           <a:lstStyle/>
           <a:p>
-            <a:fld id="{63684722-5DC5-437F-8FD3-74BEEDDE0381}" type="datetimeFigureOut">
+            <a:fld id="{D298B6AA-A09A-48D5-ACCF-2AEBDCF6EC2E}" type="datetime1">
               <a:rPr lang="en-US" smtClean="0"/>
               <a:t>4/8/2025</a:t>
             </a:fld>
@@ -5793,6 +6170,10 @@
           <a:bodyPr/>
           <a:lstStyle/>
           <a:p>
+            <a:r>
+              <a:rPr lang="en-US" smtClean="0"/>
+              <a:t>Boolean Matching in Logic Synthesis - Sabbir Mahmud Afridi</a:t>
+            </a:r>
             <a:endParaRPr lang="en-US"/>
           </a:p>
         </p:txBody>
@@ -5888,7 +6269,7 @@
           <a:bodyPr/>
           <a:lstStyle/>
           <a:p>
-            <a:fld id="{63684722-5DC5-437F-8FD3-74BEEDDE0381}" type="datetimeFigureOut">
+            <a:fld id="{B743965C-BC39-486E-ADA4-5D029D511F4F}" type="datetime1">
               <a:rPr lang="en-US" smtClean="0"/>
               <a:t>4/8/2025</a:t>
             </a:fld>
@@ -5911,6 +6292,10 @@
           <a:bodyPr/>
           <a:lstStyle/>
           <a:p>
+            <a:r>
+              <a:rPr lang="en-US" smtClean="0"/>
+              <a:t>Boolean Matching in Logic Synthesis - Sabbir Mahmud Afridi</a:t>
+            </a:r>
             <a:endParaRPr lang="en-US"/>
           </a:p>
         </p:txBody>
@@ -5983,7 +6368,7 @@
           <a:bodyPr/>
           <a:lstStyle/>
           <a:p>
-            <a:fld id="{63684722-5DC5-437F-8FD3-74BEEDDE0381}" type="datetimeFigureOut">
+            <a:fld id="{04E84F20-00D4-4976-A1F1-5934FDE14C28}" type="datetime1">
               <a:rPr lang="en-US" smtClean="0"/>
               <a:t>4/8/2025</a:t>
             </a:fld>
@@ -6006,6 +6391,10 @@
           <a:bodyPr/>
           <a:lstStyle/>
           <a:p>
+            <a:r>
+              <a:rPr lang="en-US" smtClean="0"/>
+              <a:t>Boolean Matching in Logic Synthesis - Sabbir Mahmud Afridi</a:t>
+            </a:r>
             <a:endParaRPr lang="en-US"/>
           </a:p>
         </p:txBody>
@@ -6260,7 +6649,7 @@
           <a:bodyPr/>
           <a:lstStyle/>
           <a:p>
-            <a:fld id="{63684722-5DC5-437F-8FD3-74BEEDDE0381}" type="datetimeFigureOut">
+            <a:fld id="{BA72A617-B327-497A-9FDC-4CDBA4858FD6}" type="datetime1">
               <a:rPr lang="en-US" smtClean="0"/>
               <a:t>4/8/2025</a:t>
             </a:fld>
@@ -6283,6 +6672,10 @@
           <a:bodyPr/>
           <a:lstStyle/>
           <a:p>
+            <a:r>
+              <a:rPr lang="en-US" smtClean="0"/>
+              <a:t>Boolean Matching in Logic Synthesis - Sabbir Mahmud Afridi</a:t>
+            </a:r>
             <a:endParaRPr lang="en-US"/>
           </a:p>
         </p:txBody>
@@ -6513,7 +6906,7 @@
           <a:bodyPr/>
           <a:lstStyle/>
           <a:p>
-            <a:fld id="{63684722-5DC5-437F-8FD3-74BEEDDE0381}" type="datetimeFigureOut">
+            <a:fld id="{049439CA-7BD9-486B-BCE3-F02EA7A5B1ED}" type="datetime1">
               <a:rPr lang="en-US" smtClean="0"/>
               <a:t>4/8/2025</a:t>
             </a:fld>
@@ -6536,6 +6929,10 @@
           <a:bodyPr/>
           <a:lstStyle/>
           <a:p>
+            <a:r>
+              <a:rPr lang="en-US" smtClean="0"/>
+              <a:t>Boolean Matching in Logic Synthesis - Sabbir Mahmud Afridi</a:t>
+            </a:r>
             <a:endParaRPr lang="en-US"/>
           </a:p>
         </p:txBody>
@@ -6726,7 +7123,7 @@
             </a:lvl1pPr>
           </a:lstStyle>
           <a:p>
-            <a:fld id="{63684722-5DC5-437F-8FD3-74BEEDDE0381}" type="datetimeFigureOut">
+            <a:fld id="{CA82970E-D7E1-4510-8085-FED8EA7E5679}" type="datetime1">
               <a:rPr lang="en-US" smtClean="0"/>
               <a:t>4/8/2025</a:t>
             </a:fld>
@@ -6767,6 +7164,10 @@
             </a:lvl1pPr>
           </a:lstStyle>
           <a:p>
+            <a:r>
+              <a:rPr lang="en-US" smtClean="0"/>
+              <a:t>Boolean Matching in Logic Synthesis - Sabbir Mahmud Afridi</a:t>
+            </a:r>
             <a:endParaRPr lang="en-US"/>
           </a:p>
         </p:txBody>
@@ -6833,6 +7234,7 @@
     <p:sldLayoutId id="2147483658" r:id="rId10"/>
     <p:sldLayoutId id="2147483659" r:id="rId11"/>
   </p:sldLayoutIdLst>
+  <p:hf hdr="0" dt="0"/>
   <p:txStyles>
     <p:titleStyle>
       <a:lvl1pPr algn="l" defTabSz="914400" rtl="0" eaLnBrk="1" latinLnBrk="0" hangingPunct="1">
@@ -7143,7 +7545,7 @@
         </p:nvSpPr>
         <p:spPr>
           <a:xfrm>
-            <a:off x="1605367" y="3009821"/>
+            <a:off x="1341597" y="3537358"/>
             <a:ext cx="8559280" cy="600769"/>
           </a:xfrm>
           <a:prstGeom prst="rect">
@@ -7429,7 +7831,7 @@
         </p:nvSpPr>
         <p:spPr>
           <a:xfrm>
-            <a:off x="3211045" y="3707041"/>
+            <a:off x="2947275" y="4234578"/>
             <a:ext cx="5250032" cy="475800"/>
           </a:xfrm>
           <a:prstGeom prst="rect">
@@ -7703,15 +8105,7 @@
             </a:r>
             <a:r>
               <a:rPr lang="en-US" sz="2400" b="1" dirty="0" smtClean="0"/>
-              <a:t>Design (</a:t>
-            </a:r>
-            <a:r>
-              <a:rPr lang="en-US" sz="2400" b="1" dirty="0" smtClean="0"/>
-              <a:t>CSE-524</a:t>
-            </a:r>
-            <a:r>
-              <a:rPr lang="en-US" sz="2400" b="1" dirty="0" smtClean="0"/>
-              <a:t>)</a:t>
+              <a:t>Design (CSE-524)</a:t>
             </a:r>
             <a:endParaRPr sz="2400" b="1" dirty="0"/>
           </a:p>
@@ -7725,7 +8119,7 @@
         </p:nvSpPr>
         <p:spPr>
           <a:xfrm>
-            <a:off x="8357828" y="5143500"/>
+            <a:off x="8197307" y="5029198"/>
             <a:ext cx="3613638" cy="1569660"/>
           </a:xfrm>
           <a:prstGeom prst="rect">
@@ -7769,7 +8163,7 @@
                 <a:latin typeface="Times New Roman" panose="02020603050405020304" pitchFamily="18" charset="0"/>
                 <a:cs typeface="Times New Roman" panose="02020603050405020304" pitchFamily="18" charset="0"/>
               </a:rPr>
-              <a:t>2022-202_3</a:t>
+              <a:t>2022-2023</a:t>
             </a:r>
             <a:endParaRPr lang="en-US" dirty="0" smtClean="0">
               <a:latin typeface="Times New Roman" panose="02020603050405020304" pitchFamily="18" charset="0"/>
@@ -7789,7 +8183,7 @@
                 <a:latin typeface="Times New Roman" panose="02020603050405020304" pitchFamily="18" charset="0"/>
                 <a:cs typeface="Times New Roman" panose="02020603050405020304" pitchFamily="18" charset="0"/>
               </a:rPr>
-              <a:t>SH-2_3_34</a:t>
+              <a:t>SH-2334</a:t>
             </a:r>
             <a:endParaRPr lang="en-US" dirty="0" smtClean="0">
               <a:latin typeface="Times New Roman" panose="02020603050405020304" pitchFamily="18" charset="0"/>
@@ -7811,6 +8205,47 @@
           </a:p>
         </p:txBody>
       </p:sp>
+      <p:pic>
+        <p:nvPicPr>
+          <p:cNvPr id="1028" name="Picture 4" descr="DU-logo -"/>
+          <p:cNvPicPr>
+            <a:picLocks noChangeAspect="1" noChangeArrowheads="1"/>
+          </p:cNvPicPr>
+          <p:nvPr/>
+        </p:nvPicPr>
+        <p:blipFill>
+          <a:blip r:embed="rId2" cstate="print">
+            <a:extLst>
+              <a:ext uri="{28A0092B-C50C-407E-A947-70E740481C1C}">
+                <a14:useLocalDpi xmlns:a14="http://schemas.microsoft.com/office/drawing/2010/main" val="0"/>
+              </a:ext>
+            </a:extLst>
+          </a:blip>
+          <a:srcRect/>
+          <a:stretch>
+            <a:fillRect/>
+          </a:stretch>
+        </p:blipFill>
+        <p:spPr bwMode="auto">
+          <a:xfrm>
+            <a:off x="4052894" y="242630"/>
+            <a:ext cx="3042498" cy="1706597"/>
+          </a:xfrm>
+          <a:prstGeom prst="rect">
+            <a:avLst/>
+          </a:prstGeom>
+          <a:noFill/>
+          <a:extLst>
+            <a:ext uri="{909E8E84-426E-40DD-AFC4-6F175D3DCCD1}">
+              <a14:hiddenFill xmlns:a14="http://schemas.microsoft.com/office/drawing/2010/main">
+                <a:solidFill>
+                  <a:srgbClr val="FFFFFF"/>
+                </a:solidFill>
+              </a14:hiddenFill>
+            </a:ext>
+          </a:extLst>
+        </p:spPr>
+      </p:pic>
     </p:spTree>
     <p:extLst>
       <p:ext uri="{BB962C8B-B14F-4D97-AF65-F5344CB8AC3E}">
@@ -8043,6 +8478,52 @@
           </a:p>
         </p:txBody>
       </p:sp>
+      <p:sp>
+        <p:nvSpPr>
+          <p:cNvPr id="4" name="Footer Placeholder 3"/>
+          <p:cNvSpPr>
+            <a:spLocks noGrp="1"/>
+          </p:cNvSpPr>
+          <p:nvPr>
+            <p:ph type="ftr" sz="quarter" idx="11"/>
+          </p:nvPr>
+        </p:nvSpPr>
+        <p:spPr/>
+        <p:txBody>
+          <a:bodyPr/>
+          <a:lstStyle/>
+          <a:p>
+            <a:r>
+              <a:rPr lang="en-US" smtClean="0"/>
+              <a:t>Boolean Matching in Logic Synthesis - Sabbir Mahmud Afridi</a:t>
+            </a:r>
+            <a:endParaRPr lang="en-US"/>
+          </a:p>
+        </p:txBody>
+      </p:sp>
+      <p:sp>
+        <p:nvSpPr>
+          <p:cNvPr id="6" name="Slide Number Placeholder 5"/>
+          <p:cNvSpPr>
+            <a:spLocks noGrp="1"/>
+          </p:cNvSpPr>
+          <p:nvPr>
+            <p:ph type="sldNum" sz="quarter" idx="12"/>
+          </p:nvPr>
+        </p:nvSpPr>
+        <p:spPr/>
+        <p:txBody>
+          <a:bodyPr/>
+          <a:lstStyle/>
+          <a:p>
+            <a:fld id="{E5D5CBED-3ACD-49F7-B230-C2C38093803C}" type="slidenum">
+              <a:rPr lang="en-US" smtClean="0"/>
+              <a:t>10</a:t>
+            </a:fld>
+            <a:endParaRPr lang="en-US"/>
+          </a:p>
+        </p:txBody>
+      </p:sp>
     </p:spTree>
     <p:extLst>
       <p:ext uri="{BB962C8B-B14F-4D97-AF65-F5344CB8AC3E}">
@@ -8104,7 +8585,6 @@
               <a:rPr lang="en-US" dirty="0"/>
               <a:t>Structural Mapping</a:t>
             </a:r>
-            <a:endParaRPr lang="en-US" dirty="0"/>
           </a:p>
         </p:txBody>
       </p:sp>
@@ -8277,6 +8757,52 @@
               <a:rPr lang="en-US" sz="2400" dirty="0"/>
               <a:t>Tree matching and covering run in linear time</a:t>
             </a:r>
+          </a:p>
+        </p:txBody>
+      </p:sp>
+      <p:sp>
+        <p:nvSpPr>
+          <p:cNvPr id="4" name="Footer Placeholder 3"/>
+          <p:cNvSpPr>
+            <a:spLocks noGrp="1"/>
+          </p:cNvSpPr>
+          <p:nvPr>
+            <p:ph type="ftr" sz="quarter" idx="11"/>
+          </p:nvPr>
+        </p:nvSpPr>
+        <p:spPr/>
+        <p:txBody>
+          <a:bodyPr/>
+          <a:lstStyle/>
+          <a:p>
+            <a:r>
+              <a:rPr lang="en-US" smtClean="0"/>
+              <a:t>Boolean Matching in Logic Synthesis - Sabbir Mahmud Afridi</a:t>
+            </a:r>
+            <a:endParaRPr lang="en-US"/>
+          </a:p>
+        </p:txBody>
+      </p:sp>
+      <p:sp>
+        <p:nvSpPr>
+          <p:cNvPr id="6" name="Slide Number Placeholder 5"/>
+          <p:cNvSpPr>
+            <a:spLocks noGrp="1"/>
+          </p:cNvSpPr>
+          <p:nvPr>
+            <p:ph type="sldNum" sz="quarter" idx="12"/>
+          </p:nvPr>
+        </p:nvSpPr>
+        <p:spPr/>
+        <p:txBody>
+          <a:bodyPr/>
+          <a:lstStyle/>
+          <a:p>
+            <a:fld id="{E5D5CBED-3ACD-49F7-B230-C2C38093803C}" type="slidenum">
+              <a:rPr lang="en-US" smtClean="0"/>
+              <a:t>11</a:t>
+            </a:fld>
+            <a:endParaRPr lang="en-US"/>
           </a:p>
         </p:txBody>
       </p:sp>
@@ -8341,7 +8867,6 @@
               <a:rPr lang="en-US" dirty="0"/>
               <a:t>Structural Mapping</a:t>
             </a:r>
-            <a:endParaRPr lang="en-US" dirty="0"/>
           </a:p>
         </p:txBody>
       </p:sp>
@@ -8541,6 +9066,52 @@
               <a:rPr lang="en-US" sz="2400" dirty="0"/>
               <a:t>matching and covering</a:t>
             </a:r>
+          </a:p>
+        </p:txBody>
+      </p:sp>
+      <p:sp>
+        <p:nvSpPr>
+          <p:cNvPr id="4" name="Footer Placeholder 3"/>
+          <p:cNvSpPr>
+            <a:spLocks noGrp="1"/>
+          </p:cNvSpPr>
+          <p:nvPr>
+            <p:ph type="ftr" sz="quarter" idx="11"/>
+          </p:nvPr>
+        </p:nvSpPr>
+        <p:spPr/>
+        <p:txBody>
+          <a:bodyPr/>
+          <a:lstStyle/>
+          <a:p>
+            <a:r>
+              <a:rPr lang="en-US" smtClean="0"/>
+              <a:t>Boolean Matching in Logic Synthesis - Sabbir Mahmud Afridi</a:t>
+            </a:r>
+            <a:endParaRPr lang="en-US"/>
+          </a:p>
+        </p:txBody>
+      </p:sp>
+      <p:sp>
+        <p:nvSpPr>
+          <p:cNvPr id="6" name="Slide Number Placeholder 5"/>
+          <p:cNvSpPr>
+            <a:spLocks noGrp="1"/>
+          </p:cNvSpPr>
+          <p:nvPr>
+            <p:ph type="sldNum" sz="quarter" idx="12"/>
+          </p:nvPr>
+        </p:nvSpPr>
+        <p:spPr/>
+        <p:txBody>
+          <a:bodyPr/>
+          <a:lstStyle/>
+          <a:p>
+            <a:fld id="{E5D5CBED-3ACD-49F7-B230-C2C38093803C}" type="slidenum">
+              <a:rPr lang="en-US" smtClean="0"/>
+              <a:t>12</a:t>
+            </a:fld>
+            <a:endParaRPr lang="en-US"/>
           </a:p>
         </p:txBody>
       </p:sp>
@@ -8713,6 +9284,52 @@
               <a:rPr lang="en-US" sz="2400" dirty="0"/>
               <a:t>of output</a:t>
             </a:r>
+          </a:p>
+        </p:txBody>
+      </p:sp>
+      <p:sp>
+        <p:nvSpPr>
+          <p:cNvPr id="3" name="Footer Placeholder 2"/>
+          <p:cNvSpPr>
+            <a:spLocks noGrp="1"/>
+          </p:cNvSpPr>
+          <p:nvPr>
+            <p:ph type="ftr" sz="quarter" idx="11"/>
+          </p:nvPr>
+        </p:nvSpPr>
+        <p:spPr/>
+        <p:txBody>
+          <a:bodyPr/>
+          <a:lstStyle/>
+          <a:p>
+            <a:r>
+              <a:rPr lang="en-US" smtClean="0"/>
+              <a:t>Boolean Matching in Logic Synthesis - Sabbir Mahmud Afridi</a:t>
+            </a:r>
+            <a:endParaRPr lang="en-US"/>
+          </a:p>
+        </p:txBody>
+      </p:sp>
+      <p:sp>
+        <p:nvSpPr>
+          <p:cNvPr id="6" name="Slide Number Placeholder 5"/>
+          <p:cNvSpPr>
+            <a:spLocks noGrp="1"/>
+          </p:cNvSpPr>
+          <p:nvPr>
+            <p:ph type="sldNum" sz="quarter" idx="12"/>
+          </p:nvPr>
+        </p:nvSpPr>
+        <p:spPr/>
+        <p:txBody>
+          <a:bodyPr/>
+          <a:lstStyle/>
+          <a:p>
+            <a:fld id="{E5D5CBED-3ACD-49F7-B230-C2C38093803C}" type="slidenum">
+              <a:rPr lang="en-US" smtClean="0"/>
+              <a:t>13</a:t>
+            </a:fld>
+            <a:endParaRPr lang="en-US"/>
           </a:p>
         </p:txBody>
       </p:sp>
@@ -8923,6 +9540,52 @@
           </a:prstGeom>
         </p:spPr>
       </p:pic>
+      <p:sp>
+        <p:nvSpPr>
+          <p:cNvPr id="4" name="Footer Placeholder 3"/>
+          <p:cNvSpPr>
+            <a:spLocks noGrp="1"/>
+          </p:cNvSpPr>
+          <p:nvPr>
+            <p:ph type="ftr" sz="quarter" idx="11"/>
+          </p:nvPr>
+        </p:nvSpPr>
+        <p:spPr/>
+        <p:txBody>
+          <a:bodyPr/>
+          <a:lstStyle/>
+          <a:p>
+            <a:r>
+              <a:rPr lang="en-US" smtClean="0"/>
+              <a:t>Boolean Matching in Logic Synthesis - Sabbir Mahmud Afridi</a:t>
+            </a:r>
+            <a:endParaRPr lang="en-US"/>
+          </a:p>
+        </p:txBody>
+      </p:sp>
+      <p:sp>
+        <p:nvSpPr>
+          <p:cNvPr id="6" name="Slide Number Placeholder 5"/>
+          <p:cNvSpPr>
+            <a:spLocks noGrp="1"/>
+          </p:cNvSpPr>
+          <p:nvPr>
+            <p:ph type="sldNum" sz="quarter" idx="12"/>
+          </p:nvPr>
+        </p:nvSpPr>
+        <p:spPr/>
+        <p:txBody>
+          <a:bodyPr/>
+          <a:lstStyle/>
+          <a:p>
+            <a:fld id="{E5D5CBED-3ACD-49F7-B230-C2C38093803C}" type="slidenum">
+              <a:rPr lang="en-US" smtClean="0"/>
+              <a:t>14</a:t>
+            </a:fld>
+            <a:endParaRPr lang="en-US"/>
+          </a:p>
+        </p:txBody>
+      </p:sp>
     </p:spTree>
     <p:extLst>
       <p:ext uri="{BB962C8B-B14F-4D97-AF65-F5344CB8AC3E}">
@@ -9130,6 +9793,52 @@
           </a:prstGeom>
         </p:spPr>
       </p:pic>
+      <p:sp>
+        <p:nvSpPr>
+          <p:cNvPr id="6" name="Footer Placeholder 5"/>
+          <p:cNvSpPr>
+            <a:spLocks noGrp="1"/>
+          </p:cNvSpPr>
+          <p:nvPr>
+            <p:ph type="ftr" sz="quarter" idx="11"/>
+          </p:nvPr>
+        </p:nvSpPr>
+        <p:spPr/>
+        <p:txBody>
+          <a:bodyPr/>
+          <a:lstStyle/>
+          <a:p>
+            <a:r>
+              <a:rPr lang="en-US" smtClean="0"/>
+              <a:t>Boolean Matching in Logic Synthesis - Sabbir Mahmud Afridi</a:t>
+            </a:r>
+            <a:endParaRPr lang="en-US"/>
+          </a:p>
+        </p:txBody>
+      </p:sp>
+      <p:sp>
+        <p:nvSpPr>
+          <p:cNvPr id="7" name="Slide Number Placeholder 6"/>
+          <p:cNvSpPr>
+            <a:spLocks noGrp="1"/>
+          </p:cNvSpPr>
+          <p:nvPr>
+            <p:ph type="sldNum" sz="quarter" idx="12"/>
+          </p:nvPr>
+        </p:nvSpPr>
+        <p:spPr/>
+        <p:txBody>
+          <a:bodyPr/>
+          <a:lstStyle/>
+          <a:p>
+            <a:fld id="{E5D5CBED-3ACD-49F7-B230-C2C38093803C}" type="slidenum">
+              <a:rPr lang="en-US" smtClean="0"/>
+              <a:t>15</a:t>
+            </a:fld>
+            <a:endParaRPr lang="en-US"/>
+          </a:p>
+        </p:txBody>
+      </p:sp>
     </p:spTree>
     <p:extLst>
       <p:ext uri="{BB962C8B-B14F-4D97-AF65-F5344CB8AC3E}">
@@ -9337,6 +10046,52 @@
           </a:prstGeom>
         </p:spPr>
       </p:pic>
+      <p:sp>
+        <p:nvSpPr>
+          <p:cNvPr id="4" name="Footer Placeholder 3"/>
+          <p:cNvSpPr>
+            <a:spLocks noGrp="1"/>
+          </p:cNvSpPr>
+          <p:nvPr>
+            <p:ph type="ftr" sz="quarter" idx="11"/>
+          </p:nvPr>
+        </p:nvSpPr>
+        <p:spPr/>
+        <p:txBody>
+          <a:bodyPr/>
+          <a:lstStyle/>
+          <a:p>
+            <a:r>
+              <a:rPr lang="en-US" smtClean="0"/>
+              <a:t>Boolean Matching in Logic Synthesis - Sabbir Mahmud Afridi</a:t>
+            </a:r>
+            <a:endParaRPr lang="en-US"/>
+          </a:p>
+        </p:txBody>
+      </p:sp>
+      <p:sp>
+        <p:nvSpPr>
+          <p:cNvPr id="7" name="Slide Number Placeholder 6"/>
+          <p:cNvSpPr>
+            <a:spLocks noGrp="1"/>
+          </p:cNvSpPr>
+          <p:nvPr>
+            <p:ph type="sldNum" sz="quarter" idx="12"/>
+          </p:nvPr>
+        </p:nvSpPr>
+        <p:spPr/>
+        <p:txBody>
+          <a:bodyPr/>
+          <a:lstStyle/>
+          <a:p>
+            <a:fld id="{E5D5CBED-3ACD-49F7-B230-C2C38093803C}" type="slidenum">
+              <a:rPr lang="en-US" smtClean="0"/>
+              <a:t>16</a:t>
+            </a:fld>
+            <a:endParaRPr lang="en-US"/>
+          </a:p>
+        </p:txBody>
+      </p:sp>
     </p:spTree>
     <p:extLst>
       <p:ext uri="{BB962C8B-B14F-4D97-AF65-F5344CB8AC3E}">
@@ -9594,6 +10349,52 @@
           </a:p>
         </p:txBody>
       </p:sp>
+      <p:sp>
+        <p:nvSpPr>
+          <p:cNvPr id="6" name="Footer Placeholder 5"/>
+          <p:cNvSpPr>
+            <a:spLocks noGrp="1"/>
+          </p:cNvSpPr>
+          <p:nvPr>
+            <p:ph type="ftr" sz="quarter" idx="11"/>
+          </p:nvPr>
+        </p:nvSpPr>
+        <p:spPr/>
+        <p:txBody>
+          <a:bodyPr/>
+          <a:lstStyle/>
+          <a:p>
+            <a:r>
+              <a:rPr lang="en-US" smtClean="0"/>
+              <a:t>Boolean Matching in Logic Synthesis - Sabbir Mahmud Afridi</a:t>
+            </a:r>
+            <a:endParaRPr lang="en-US"/>
+          </a:p>
+        </p:txBody>
+      </p:sp>
+      <p:sp>
+        <p:nvSpPr>
+          <p:cNvPr id="7" name="Slide Number Placeholder 6"/>
+          <p:cNvSpPr>
+            <a:spLocks noGrp="1"/>
+          </p:cNvSpPr>
+          <p:nvPr>
+            <p:ph type="sldNum" sz="quarter" idx="12"/>
+          </p:nvPr>
+        </p:nvSpPr>
+        <p:spPr/>
+        <p:txBody>
+          <a:bodyPr/>
+          <a:lstStyle/>
+          <a:p>
+            <a:fld id="{E5D5CBED-3ACD-49F7-B230-C2C38093803C}" type="slidenum">
+              <a:rPr lang="en-US" smtClean="0"/>
+              <a:t>17</a:t>
+            </a:fld>
+            <a:endParaRPr lang="en-US"/>
+          </a:p>
+        </p:txBody>
+      </p:sp>
     </p:spTree>
     <p:extLst>
       <p:ext uri="{BB962C8B-B14F-4D97-AF65-F5344CB8AC3E}">
@@ -9851,6 +10652,52 @@
           </a:p>
         </p:txBody>
       </p:sp>
+      <p:sp>
+        <p:nvSpPr>
+          <p:cNvPr id="6" name="Footer Placeholder 5"/>
+          <p:cNvSpPr>
+            <a:spLocks noGrp="1"/>
+          </p:cNvSpPr>
+          <p:nvPr>
+            <p:ph type="ftr" sz="quarter" idx="11"/>
+          </p:nvPr>
+        </p:nvSpPr>
+        <p:spPr/>
+        <p:txBody>
+          <a:bodyPr/>
+          <a:lstStyle/>
+          <a:p>
+            <a:r>
+              <a:rPr lang="en-US" smtClean="0"/>
+              <a:t>Boolean Matching in Logic Synthesis - Sabbir Mahmud Afridi</a:t>
+            </a:r>
+            <a:endParaRPr lang="en-US"/>
+          </a:p>
+        </p:txBody>
+      </p:sp>
+      <p:sp>
+        <p:nvSpPr>
+          <p:cNvPr id="7" name="Slide Number Placeholder 6"/>
+          <p:cNvSpPr>
+            <a:spLocks noGrp="1"/>
+          </p:cNvSpPr>
+          <p:nvPr>
+            <p:ph type="sldNum" sz="quarter" idx="12"/>
+          </p:nvPr>
+        </p:nvSpPr>
+        <p:spPr/>
+        <p:txBody>
+          <a:bodyPr/>
+          <a:lstStyle/>
+          <a:p>
+            <a:fld id="{E5D5CBED-3ACD-49F7-B230-C2C38093803C}" type="slidenum">
+              <a:rPr lang="en-US" smtClean="0"/>
+              <a:t>18</a:t>
+            </a:fld>
+            <a:endParaRPr lang="en-US"/>
+          </a:p>
+        </p:txBody>
+      </p:sp>
     </p:spTree>
     <p:extLst>
       <p:ext uri="{BB962C8B-B14F-4D97-AF65-F5344CB8AC3E}">
@@ -9912,7 +10759,6 @@
               <a:rPr lang="en-US" dirty="0"/>
               <a:t>Minterm Expansion</a:t>
             </a:r>
-            <a:endParaRPr lang="en-US" dirty="0"/>
           </a:p>
         </p:txBody>
       </p:sp>
@@ -10058,6 +10904,52 @@
           </a:prstGeom>
         </p:spPr>
       </p:pic>
+      <p:sp>
+        <p:nvSpPr>
+          <p:cNvPr id="4" name="Footer Placeholder 3"/>
+          <p:cNvSpPr>
+            <a:spLocks noGrp="1"/>
+          </p:cNvSpPr>
+          <p:nvPr>
+            <p:ph type="ftr" sz="quarter" idx="11"/>
+          </p:nvPr>
+        </p:nvSpPr>
+        <p:spPr/>
+        <p:txBody>
+          <a:bodyPr/>
+          <a:lstStyle/>
+          <a:p>
+            <a:r>
+              <a:rPr lang="en-US" smtClean="0"/>
+              <a:t>Boolean Matching in Logic Synthesis - Sabbir Mahmud Afridi</a:t>
+            </a:r>
+            <a:endParaRPr lang="en-US"/>
+          </a:p>
+        </p:txBody>
+      </p:sp>
+      <p:sp>
+        <p:nvSpPr>
+          <p:cNvPr id="7" name="Slide Number Placeholder 6"/>
+          <p:cNvSpPr>
+            <a:spLocks noGrp="1"/>
+          </p:cNvSpPr>
+          <p:nvPr>
+            <p:ph type="sldNum" sz="quarter" idx="12"/>
+          </p:nvPr>
+        </p:nvSpPr>
+        <p:spPr/>
+        <p:txBody>
+          <a:bodyPr/>
+          <a:lstStyle/>
+          <a:p>
+            <a:fld id="{E5D5CBED-3ACD-49F7-B230-C2C38093803C}" type="slidenum">
+              <a:rPr lang="en-US" smtClean="0"/>
+              <a:t>19</a:t>
+            </a:fld>
+            <a:endParaRPr lang="en-US"/>
+          </a:p>
+        </p:txBody>
+      </p:sp>
     </p:spTree>
     <p:extLst>
       <p:ext uri="{BB962C8B-B14F-4D97-AF65-F5344CB8AC3E}">
@@ -10141,12 +11033,12 @@
         </p:spPr>
         <p:txBody>
           <a:bodyPr>
-            <a:normAutofit fontScale="92500" lnSpcReduction="10000"/>
+            <a:normAutofit/>
           </a:bodyPr>
           <a:lstStyle/>
           <a:p>
             <a:r>
-              <a:rPr lang="en-US" dirty="0" smtClean="0">
+              <a:rPr lang="en-US" sz="1800" dirty="0" smtClean="0">
                 <a:latin typeface="Times New Roman" panose="02020603050405020304" pitchFamily="18" charset="0"/>
                 <a:cs typeface="Times New Roman" panose="02020603050405020304" pitchFamily="18" charset="0"/>
               </a:rPr>
@@ -10155,7 +11047,7 @@
           </a:p>
           <a:p>
             <a:r>
-              <a:rPr lang="en-US" dirty="0" smtClean="0">
+              <a:rPr lang="en-US" sz="1800" dirty="0" smtClean="0">
                 <a:latin typeface="Times New Roman" panose="02020603050405020304" pitchFamily="18" charset="0"/>
                 <a:cs typeface="Times New Roman" panose="02020603050405020304" pitchFamily="18" charset="0"/>
               </a:rPr>
@@ -10165,7 +11057,7 @@
           <a:p>
             <a:pPr lvl="1"/>
             <a:r>
-              <a:rPr lang="en-US" dirty="0" smtClean="0">
+              <a:rPr lang="en-US" sz="1600" dirty="0" smtClean="0">
                 <a:latin typeface="Times New Roman" panose="02020603050405020304" pitchFamily="18" charset="0"/>
                 <a:cs typeface="Times New Roman" panose="02020603050405020304" pitchFamily="18" charset="0"/>
               </a:rPr>
@@ -10174,7 +11066,7 @@
           </a:p>
           <a:p>
             <a:r>
-              <a:rPr lang="en-US" dirty="0" smtClean="0">
+              <a:rPr lang="en-US" sz="1800" dirty="0" smtClean="0">
                 <a:latin typeface="Times New Roman" panose="02020603050405020304" pitchFamily="18" charset="0"/>
                 <a:cs typeface="Times New Roman" panose="02020603050405020304" pitchFamily="18" charset="0"/>
               </a:rPr>
@@ -10183,7 +11075,7 @@
           </a:p>
           <a:p>
             <a:r>
-              <a:rPr lang="en-US" dirty="0" smtClean="0">
+              <a:rPr lang="en-US" sz="1800" dirty="0" smtClean="0">
                 <a:latin typeface="Times New Roman" panose="02020603050405020304" pitchFamily="18" charset="0"/>
                 <a:cs typeface="Times New Roman" panose="02020603050405020304" pitchFamily="18" charset="0"/>
               </a:rPr>
@@ -10192,7 +11084,7 @@
           </a:p>
           <a:p>
             <a:r>
-              <a:rPr lang="en-US" dirty="0" smtClean="0">
+              <a:rPr lang="en-US" sz="1800" dirty="0" smtClean="0">
                 <a:latin typeface="Times New Roman" panose="02020603050405020304" pitchFamily="18" charset="0"/>
                 <a:cs typeface="Times New Roman" panose="02020603050405020304" pitchFamily="18" charset="0"/>
               </a:rPr>
@@ -10201,7 +11093,7 @@
           </a:p>
           <a:p>
             <a:r>
-              <a:rPr lang="en-US" dirty="0" smtClean="0">
+              <a:rPr lang="en-US" sz="1800" dirty="0" smtClean="0">
                 <a:latin typeface="Times New Roman" panose="02020603050405020304" pitchFamily="18" charset="0"/>
                 <a:cs typeface="Times New Roman" panose="02020603050405020304" pitchFamily="18" charset="0"/>
               </a:rPr>
@@ -10211,7 +11103,7 @@
           <a:p>
             <a:pPr lvl="1"/>
             <a:r>
-              <a:rPr lang="en-US" dirty="0" smtClean="0">
+              <a:rPr lang="en-US" sz="1600" dirty="0" smtClean="0">
                 <a:latin typeface="Times New Roman" panose="02020603050405020304" pitchFamily="18" charset="0"/>
                 <a:cs typeface="Times New Roman" panose="02020603050405020304" pitchFamily="18" charset="0"/>
               </a:rPr>
@@ -10220,7 +11112,7 @@
           </a:p>
           <a:p>
             <a:r>
-              <a:rPr lang="en-US" dirty="0" smtClean="0">
+              <a:rPr lang="en-US" sz="1800" dirty="0" smtClean="0">
                 <a:latin typeface="Times New Roman" panose="02020603050405020304" pitchFamily="18" charset="0"/>
                 <a:cs typeface="Times New Roman" panose="02020603050405020304" pitchFamily="18" charset="0"/>
               </a:rPr>
@@ -10230,7 +11122,7 @@
           <a:p>
             <a:pPr lvl="1"/>
             <a:r>
-              <a:rPr lang="en-US" dirty="0" smtClean="0">
+              <a:rPr lang="en-US" sz="1600" dirty="0" smtClean="0">
                 <a:latin typeface="Times New Roman" panose="02020603050405020304" pitchFamily="18" charset="0"/>
                 <a:cs typeface="Times New Roman" panose="02020603050405020304" pitchFamily="18" charset="0"/>
               </a:rPr>
@@ -10240,7 +11132,7 @@
           <a:p>
             <a:pPr lvl="1"/>
             <a:r>
-              <a:rPr lang="en-US" dirty="0" smtClean="0">
+              <a:rPr lang="en-US" sz="1600" dirty="0" smtClean="0">
                 <a:latin typeface="Times New Roman" panose="02020603050405020304" pitchFamily="18" charset="0"/>
                 <a:cs typeface="Times New Roman" panose="02020603050405020304" pitchFamily="18" charset="0"/>
               </a:rPr>
@@ -10249,7 +11141,7 @@
           </a:p>
           <a:p>
             <a:r>
-              <a:rPr lang="en-US" dirty="0" smtClean="0">
+              <a:rPr lang="en-US" sz="1800" dirty="0" smtClean="0">
                 <a:latin typeface="Times New Roman" panose="02020603050405020304" pitchFamily="18" charset="0"/>
                 <a:cs typeface="Times New Roman" panose="02020603050405020304" pitchFamily="18" charset="0"/>
               </a:rPr>
@@ -10288,6 +11180,52 @@
           </a:fontRef>
         </p:style>
       </p:cxnSp>
+      <p:sp>
+        <p:nvSpPr>
+          <p:cNvPr id="4" name="Footer Placeholder 3"/>
+          <p:cNvSpPr>
+            <a:spLocks noGrp="1"/>
+          </p:cNvSpPr>
+          <p:nvPr>
+            <p:ph type="ftr" sz="quarter" idx="11"/>
+          </p:nvPr>
+        </p:nvSpPr>
+        <p:spPr/>
+        <p:txBody>
+          <a:bodyPr/>
+          <a:lstStyle/>
+          <a:p>
+            <a:r>
+              <a:rPr lang="en-US" smtClean="0"/>
+              <a:t>Boolean Matching in Logic Synthesis - Sabbir Mahmud Afridi</a:t>
+            </a:r>
+            <a:endParaRPr lang="en-US"/>
+          </a:p>
+        </p:txBody>
+      </p:sp>
+      <p:sp>
+        <p:nvSpPr>
+          <p:cNvPr id="6" name="Slide Number Placeholder 5"/>
+          <p:cNvSpPr>
+            <a:spLocks noGrp="1"/>
+          </p:cNvSpPr>
+          <p:nvPr>
+            <p:ph type="sldNum" sz="quarter" idx="12"/>
+          </p:nvPr>
+        </p:nvSpPr>
+        <p:spPr/>
+        <p:txBody>
+          <a:bodyPr/>
+          <a:lstStyle/>
+          <a:p>
+            <a:fld id="{E5D5CBED-3ACD-49F7-B230-C2C38093803C}" type="slidenum">
+              <a:rPr lang="en-US" smtClean="0"/>
+              <a:t>2</a:t>
+            </a:fld>
+            <a:endParaRPr lang="en-US"/>
+          </a:p>
+        </p:txBody>
+      </p:sp>
     </p:spTree>
     <p:extLst>
       <p:ext uri="{BB962C8B-B14F-4D97-AF65-F5344CB8AC3E}">
@@ -10499,6 +11437,52 @@
           </a:prstGeom>
         </p:spPr>
       </p:pic>
+      <p:sp>
+        <p:nvSpPr>
+          <p:cNvPr id="6" name="Footer Placeholder 5"/>
+          <p:cNvSpPr>
+            <a:spLocks noGrp="1"/>
+          </p:cNvSpPr>
+          <p:nvPr>
+            <p:ph type="ftr" sz="quarter" idx="11"/>
+          </p:nvPr>
+        </p:nvSpPr>
+        <p:spPr/>
+        <p:txBody>
+          <a:bodyPr/>
+          <a:lstStyle/>
+          <a:p>
+            <a:r>
+              <a:rPr lang="en-US" smtClean="0"/>
+              <a:t>Boolean Matching in Logic Synthesis - Sabbir Mahmud Afridi</a:t>
+            </a:r>
+            <a:endParaRPr lang="en-US"/>
+          </a:p>
+        </p:txBody>
+      </p:sp>
+      <p:sp>
+        <p:nvSpPr>
+          <p:cNvPr id="7" name="Slide Number Placeholder 6"/>
+          <p:cNvSpPr>
+            <a:spLocks noGrp="1"/>
+          </p:cNvSpPr>
+          <p:nvPr>
+            <p:ph type="sldNum" sz="quarter" idx="12"/>
+          </p:nvPr>
+        </p:nvSpPr>
+        <p:spPr/>
+        <p:txBody>
+          <a:bodyPr/>
+          <a:lstStyle/>
+          <a:p>
+            <a:fld id="{E5D5CBED-3ACD-49F7-B230-C2C38093803C}" type="slidenum">
+              <a:rPr lang="en-US" smtClean="0"/>
+              <a:t>20</a:t>
+            </a:fld>
+            <a:endParaRPr lang="en-US"/>
+          </a:p>
+        </p:txBody>
+      </p:sp>
     </p:spTree>
     <p:extLst>
       <p:ext uri="{BB962C8B-B14F-4D97-AF65-F5344CB8AC3E}">
@@ -10560,7 +11544,6 @@
               <a:rPr lang="en-US" dirty="0"/>
               <a:t>Shannon Decomposition/Expansion</a:t>
             </a:r>
-            <a:endParaRPr lang="en-US" dirty="0"/>
           </a:p>
         </p:txBody>
       </p:sp>
@@ -10706,6 +11689,52 @@
           </a:prstGeom>
         </p:spPr>
       </p:pic>
+      <p:sp>
+        <p:nvSpPr>
+          <p:cNvPr id="4" name="Footer Placeholder 3"/>
+          <p:cNvSpPr>
+            <a:spLocks noGrp="1"/>
+          </p:cNvSpPr>
+          <p:nvPr>
+            <p:ph type="ftr" sz="quarter" idx="11"/>
+          </p:nvPr>
+        </p:nvSpPr>
+        <p:spPr/>
+        <p:txBody>
+          <a:bodyPr/>
+          <a:lstStyle/>
+          <a:p>
+            <a:r>
+              <a:rPr lang="en-US" smtClean="0"/>
+              <a:t>Boolean Matching in Logic Synthesis - Sabbir Mahmud Afridi</a:t>
+            </a:r>
+            <a:endParaRPr lang="en-US"/>
+          </a:p>
+        </p:txBody>
+      </p:sp>
+      <p:sp>
+        <p:nvSpPr>
+          <p:cNvPr id="7" name="Slide Number Placeholder 6"/>
+          <p:cNvSpPr>
+            <a:spLocks noGrp="1"/>
+          </p:cNvSpPr>
+          <p:nvPr>
+            <p:ph type="sldNum" sz="quarter" idx="12"/>
+          </p:nvPr>
+        </p:nvSpPr>
+        <p:spPr/>
+        <p:txBody>
+          <a:bodyPr/>
+          <a:lstStyle/>
+          <a:p>
+            <a:fld id="{E5D5CBED-3ACD-49F7-B230-C2C38093803C}" type="slidenum">
+              <a:rPr lang="en-US" smtClean="0"/>
+              <a:t>21</a:t>
+            </a:fld>
+            <a:endParaRPr lang="en-US"/>
+          </a:p>
+        </p:txBody>
+      </p:sp>
     </p:spTree>
     <p:extLst>
       <p:ext uri="{BB962C8B-B14F-4D97-AF65-F5344CB8AC3E}">
@@ -10767,7 +11796,6 @@
               <a:rPr lang="en-US" dirty="0"/>
               <a:t>Shannon Decomposition/Expansion</a:t>
             </a:r>
-            <a:endParaRPr lang="en-US" dirty="0"/>
           </a:p>
         </p:txBody>
       </p:sp>
@@ -10913,6 +11941,52 @@
           </a:prstGeom>
         </p:spPr>
       </p:pic>
+      <p:sp>
+        <p:nvSpPr>
+          <p:cNvPr id="6" name="Footer Placeholder 5"/>
+          <p:cNvSpPr>
+            <a:spLocks noGrp="1"/>
+          </p:cNvSpPr>
+          <p:nvPr>
+            <p:ph type="ftr" sz="quarter" idx="11"/>
+          </p:nvPr>
+        </p:nvSpPr>
+        <p:spPr/>
+        <p:txBody>
+          <a:bodyPr/>
+          <a:lstStyle/>
+          <a:p>
+            <a:r>
+              <a:rPr lang="en-US" smtClean="0"/>
+              <a:t>Boolean Matching in Logic Synthesis - Sabbir Mahmud Afridi</a:t>
+            </a:r>
+            <a:endParaRPr lang="en-US"/>
+          </a:p>
+        </p:txBody>
+      </p:sp>
+      <p:sp>
+        <p:nvSpPr>
+          <p:cNvPr id="7" name="Slide Number Placeholder 6"/>
+          <p:cNvSpPr>
+            <a:spLocks noGrp="1"/>
+          </p:cNvSpPr>
+          <p:nvPr>
+            <p:ph type="sldNum" sz="quarter" idx="12"/>
+          </p:nvPr>
+        </p:nvSpPr>
+        <p:spPr/>
+        <p:txBody>
+          <a:bodyPr/>
+          <a:lstStyle/>
+          <a:p>
+            <a:fld id="{E5D5CBED-3ACD-49F7-B230-C2C38093803C}" type="slidenum">
+              <a:rPr lang="en-US" smtClean="0"/>
+              <a:t>22</a:t>
+            </a:fld>
+            <a:endParaRPr lang="en-US"/>
+          </a:p>
+        </p:txBody>
+      </p:sp>
     </p:spTree>
     <p:extLst>
       <p:ext uri="{BB962C8B-B14F-4D97-AF65-F5344CB8AC3E}">
@@ -10974,7 +12048,6 @@
               <a:rPr lang="en-US" dirty="0"/>
               <a:t>Shannon Decomposition/Expansion</a:t>
             </a:r>
-            <a:endParaRPr lang="en-US" dirty="0"/>
           </a:p>
         </p:txBody>
       </p:sp>
@@ -11120,6 +12193,52 @@
           </a:prstGeom>
         </p:spPr>
       </p:pic>
+      <p:sp>
+        <p:nvSpPr>
+          <p:cNvPr id="4" name="Footer Placeholder 3"/>
+          <p:cNvSpPr>
+            <a:spLocks noGrp="1"/>
+          </p:cNvSpPr>
+          <p:nvPr>
+            <p:ph type="ftr" sz="quarter" idx="11"/>
+          </p:nvPr>
+        </p:nvSpPr>
+        <p:spPr/>
+        <p:txBody>
+          <a:bodyPr/>
+          <a:lstStyle/>
+          <a:p>
+            <a:r>
+              <a:rPr lang="en-US" smtClean="0"/>
+              <a:t>Boolean Matching in Logic Synthesis - Sabbir Mahmud Afridi</a:t>
+            </a:r>
+            <a:endParaRPr lang="en-US"/>
+          </a:p>
+        </p:txBody>
+      </p:sp>
+      <p:sp>
+        <p:nvSpPr>
+          <p:cNvPr id="7" name="Slide Number Placeholder 6"/>
+          <p:cNvSpPr>
+            <a:spLocks noGrp="1"/>
+          </p:cNvSpPr>
+          <p:nvPr>
+            <p:ph type="sldNum" sz="quarter" idx="12"/>
+          </p:nvPr>
+        </p:nvSpPr>
+        <p:spPr/>
+        <p:txBody>
+          <a:bodyPr/>
+          <a:lstStyle/>
+          <a:p>
+            <a:fld id="{E5D5CBED-3ACD-49F7-B230-C2C38093803C}" type="slidenum">
+              <a:rPr lang="en-US" smtClean="0"/>
+              <a:t>23</a:t>
+            </a:fld>
+            <a:endParaRPr lang="en-US"/>
+          </a:p>
+        </p:txBody>
+      </p:sp>
     </p:spTree>
     <p:extLst>
       <p:ext uri="{BB962C8B-B14F-4D97-AF65-F5344CB8AC3E}">
@@ -11181,7 +12300,6 @@
               <a:rPr lang="en-US" dirty="0"/>
               <a:t>Boolean Matching Algorithm</a:t>
             </a:r>
-            <a:endParaRPr lang="en-US" dirty="0"/>
           </a:p>
         </p:txBody>
       </p:sp>
@@ -11327,6 +12445,52 @@
           </a:prstGeom>
         </p:spPr>
       </p:pic>
+      <p:sp>
+        <p:nvSpPr>
+          <p:cNvPr id="6" name="Footer Placeholder 5"/>
+          <p:cNvSpPr>
+            <a:spLocks noGrp="1"/>
+          </p:cNvSpPr>
+          <p:nvPr>
+            <p:ph type="ftr" sz="quarter" idx="11"/>
+          </p:nvPr>
+        </p:nvSpPr>
+        <p:spPr/>
+        <p:txBody>
+          <a:bodyPr/>
+          <a:lstStyle/>
+          <a:p>
+            <a:r>
+              <a:rPr lang="en-US" smtClean="0"/>
+              <a:t>Boolean Matching in Logic Synthesis - Sabbir Mahmud Afridi</a:t>
+            </a:r>
+            <a:endParaRPr lang="en-US"/>
+          </a:p>
+        </p:txBody>
+      </p:sp>
+      <p:sp>
+        <p:nvSpPr>
+          <p:cNvPr id="7" name="Slide Number Placeholder 6"/>
+          <p:cNvSpPr>
+            <a:spLocks noGrp="1"/>
+          </p:cNvSpPr>
+          <p:nvPr>
+            <p:ph type="sldNum" sz="quarter" idx="12"/>
+          </p:nvPr>
+        </p:nvSpPr>
+        <p:spPr/>
+        <p:txBody>
+          <a:bodyPr/>
+          <a:lstStyle/>
+          <a:p>
+            <a:fld id="{E5D5CBED-3ACD-49F7-B230-C2C38093803C}" type="slidenum">
+              <a:rPr lang="en-US" smtClean="0"/>
+              <a:t>24</a:t>
+            </a:fld>
+            <a:endParaRPr lang="en-US"/>
+          </a:p>
+        </p:txBody>
+      </p:sp>
     </p:spTree>
     <p:extLst>
       <p:ext uri="{BB962C8B-B14F-4D97-AF65-F5344CB8AC3E}">
@@ -11388,7 +12552,6 @@
               <a:rPr lang="en-US" dirty="0"/>
               <a:t>Boolean Matching Algorithm</a:t>
             </a:r>
-            <a:endParaRPr lang="en-US" dirty="0"/>
           </a:p>
         </p:txBody>
       </p:sp>
@@ -11778,6 +12941,52 @@
           </a:p>
         </p:txBody>
       </p:sp>
+      <p:sp>
+        <p:nvSpPr>
+          <p:cNvPr id="4" name="Footer Placeholder 3"/>
+          <p:cNvSpPr>
+            <a:spLocks noGrp="1"/>
+          </p:cNvSpPr>
+          <p:nvPr>
+            <p:ph type="ftr" sz="quarter" idx="11"/>
+          </p:nvPr>
+        </p:nvSpPr>
+        <p:spPr/>
+        <p:txBody>
+          <a:bodyPr/>
+          <a:lstStyle/>
+          <a:p>
+            <a:r>
+              <a:rPr lang="en-US" smtClean="0"/>
+              <a:t>Boolean Matching in Logic Synthesis - Sabbir Mahmud Afridi</a:t>
+            </a:r>
+            <a:endParaRPr lang="en-US"/>
+          </a:p>
+        </p:txBody>
+      </p:sp>
+      <p:sp>
+        <p:nvSpPr>
+          <p:cNvPr id="6" name="Slide Number Placeholder 5"/>
+          <p:cNvSpPr>
+            <a:spLocks noGrp="1"/>
+          </p:cNvSpPr>
+          <p:nvPr>
+            <p:ph type="sldNum" sz="quarter" idx="12"/>
+          </p:nvPr>
+        </p:nvSpPr>
+        <p:spPr/>
+        <p:txBody>
+          <a:bodyPr/>
+          <a:lstStyle/>
+          <a:p>
+            <a:fld id="{E5D5CBED-3ACD-49F7-B230-C2C38093803C}" type="slidenum">
+              <a:rPr lang="en-US" smtClean="0"/>
+              <a:t>25</a:t>
+            </a:fld>
+            <a:endParaRPr lang="en-US"/>
+          </a:p>
+        </p:txBody>
+      </p:sp>
     </p:spTree>
     <p:extLst>
       <p:ext uri="{BB962C8B-B14F-4D97-AF65-F5344CB8AC3E}">
@@ -11961,8 +13170,8 @@
           </a:p>
         </p:txBody>
       </p:sp>
-      <mc:AlternateContent xmlns:mc="http://schemas.openxmlformats.org/markup-compatibility/2006">
-        <mc:Choice xmlns:a14="http://schemas.microsoft.com/office/drawing/2010/main" Requires="a14">
+      <mc:AlternateContent xmlns:mc="http://schemas.openxmlformats.org/markup-compatibility/2006" xmlns:a14="http://schemas.microsoft.com/office/drawing/2010/main">
+        <mc:Choice Requires="a14">
           <p:sp>
             <p:nvSpPr>
               <p:cNvPr id="7" name="Rectangle 2"/>
@@ -12168,7 +13377,7 @@
             </p:txBody>
           </p:sp>
         </mc:Choice>
-        <mc:Fallback>
+        <mc:Fallback xmlns="">
           <p:sp>
             <p:nvSpPr>
               <p:cNvPr id="7" name="Rectangle 2"/>
@@ -12239,6 +13448,52 @@
           </p:sp>
         </mc:Fallback>
       </mc:AlternateContent>
+      <p:sp>
+        <p:nvSpPr>
+          <p:cNvPr id="4" name="Footer Placeholder 3"/>
+          <p:cNvSpPr>
+            <a:spLocks noGrp="1"/>
+          </p:cNvSpPr>
+          <p:nvPr>
+            <p:ph type="ftr" sz="quarter" idx="11"/>
+          </p:nvPr>
+        </p:nvSpPr>
+        <p:spPr/>
+        <p:txBody>
+          <a:bodyPr/>
+          <a:lstStyle/>
+          <a:p>
+            <a:r>
+              <a:rPr lang="en-US" smtClean="0"/>
+              <a:t>Boolean Matching in Logic Synthesis - Sabbir Mahmud Afridi</a:t>
+            </a:r>
+            <a:endParaRPr lang="en-US"/>
+          </a:p>
+        </p:txBody>
+      </p:sp>
+      <p:sp>
+        <p:nvSpPr>
+          <p:cNvPr id="6" name="Slide Number Placeholder 5"/>
+          <p:cNvSpPr>
+            <a:spLocks noGrp="1"/>
+          </p:cNvSpPr>
+          <p:nvPr>
+            <p:ph type="sldNum" sz="quarter" idx="12"/>
+          </p:nvPr>
+        </p:nvSpPr>
+        <p:spPr/>
+        <p:txBody>
+          <a:bodyPr/>
+          <a:lstStyle/>
+          <a:p>
+            <a:fld id="{E5D5CBED-3ACD-49F7-B230-C2C38093803C}" type="slidenum">
+              <a:rPr lang="en-US" smtClean="0"/>
+              <a:t>26</a:t>
+            </a:fld>
+            <a:endParaRPr lang="en-US"/>
+          </a:p>
+        </p:txBody>
+      </p:sp>
     </p:spTree>
     <p:extLst>
       <p:ext uri="{BB962C8B-B14F-4D97-AF65-F5344CB8AC3E}">
@@ -12300,7 +13555,6 @@
               <a:rPr lang="en-US" dirty="0"/>
               <a:t>Computing NP-Representative</a:t>
             </a:r>
-            <a:endParaRPr lang="en-US" dirty="0"/>
           </a:p>
         </p:txBody>
       </p:sp>
@@ -12561,6 +13815,52 @@
           </a:prstGeom>
         </p:spPr>
       </p:pic>
+      <p:sp>
+        <p:nvSpPr>
+          <p:cNvPr id="4" name="Footer Placeholder 3"/>
+          <p:cNvSpPr>
+            <a:spLocks noGrp="1"/>
+          </p:cNvSpPr>
+          <p:nvPr>
+            <p:ph type="ftr" sz="quarter" idx="11"/>
+          </p:nvPr>
+        </p:nvSpPr>
+        <p:spPr/>
+        <p:txBody>
+          <a:bodyPr/>
+          <a:lstStyle/>
+          <a:p>
+            <a:r>
+              <a:rPr lang="en-US" smtClean="0"/>
+              <a:t>Boolean Matching in Logic Synthesis - Sabbir Mahmud Afridi</a:t>
+            </a:r>
+            <a:endParaRPr lang="en-US"/>
+          </a:p>
+        </p:txBody>
+      </p:sp>
+      <p:sp>
+        <p:nvSpPr>
+          <p:cNvPr id="9" name="Slide Number Placeholder 8"/>
+          <p:cNvSpPr>
+            <a:spLocks noGrp="1"/>
+          </p:cNvSpPr>
+          <p:nvPr>
+            <p:ph type="sldNum" sz="quarter" idx="12"/>
+          </p:nvPr>
+        </p:nvSpPr>
+        <p:spPr/>
+        <p:txBody>
+          <a:bodyPr/>
+          <a:lstStyle/>
+          <a:p>
+            <a:fld id="{E5D5CBED-3ACD-49F7-B230-C2C38093803C}" type="slidenum">
+              <a:rPr lang="en-US" smtClean="0"/>
+              <a:t>27</a:t>
+            </a:fld>
+            <a:endParaRPr lang="en-US"/>
+          </a:p>
+        </p:txBody>
+      </p:sp>
     </p:spTree>
     <p:extLst>
       <p:ext uri="{BB962C8B-B14F-4D97-AF65-F5344CB8AC3E}">
@@ -12622,7 +13922,6 @@
               <a:rPr lang="en-US" dirty="0"/>
               <a:t>Computing NP-Representative</a:t>
             </a:r>
-            <a:endParaRPr lang="en-US" dirty="0"/>
           </a:p>
         </p:txBody>
       </p:sp>
@@ -12792,6 +14091,52 @@
           </a:prstGeom>
         </p:spPr>
       </p:pic>
+      <p:sp>
+        <p:nvSpPr>
+          <p:cNvPr id="6" name="Footer Placeholder 5"/>
+          <p:cNvSpPr>
+            <a:spLocks noGrp="1"/>
+          </p:cNvSpPr>
+          <p:nvPr>
+            <p:ph type="ftr" sz="quarter" idx="11"/>
+          </p:nvPr>
+        </p:nvSpPr>
+        <p:spPr/>
+        <p:txBody>
+          <a:bodyPr/>
+          <a:lstStyle/>
+          <a:p>
+            <a:r>
+              <a:rPr lang="en-US" smtClean="0"/>
+              <a:t>Boolean Matching in Logic Synthesis - Sabbir Mahmud Afridi</a:t>
+            </a:r>
+            <a:endParaRPr lang="en-US"/>
+          </a:p>
+        </p:txBody>
+      </p:sp>
+      <p:sp>
+        <p:nvSpPr>
+          <p:cNvPr id="7" name="Slide Number Placeholder 6"/>
+          <p:cNvSpPr>
+            <a:spLocks noGrp="1"/>
+          </p:cNvSpPr>
+          <p:nvPr>
+            <p:ph type="sldNum" sz="quarter" idx="12"/>
+          </p:nvPr>
+        </p:nvSpPr>
+        <p:spPr/>
+        <p:txBody>
+          <a:bodyPr/>
+          <a:lstStyle/>
+          <a:p>
+            <a:fld id="{E5D5CBED-3ACD-49F7-B230-C2C38093803C}" type="slidenum">
+              <a:rPr lang="en-US" smtClean="0"/>
+              <a:t>28</a:t>
+            </a:fld>
+            <a:endParaRPr lang="en-US"/>
+          </a:p>
+        </p:txBody>
+      </p:sp>
     </p:spTree>
     <p:extLst>
       <p:ext uri="{BB962C8B-B14F-4D97-AF65-F5344CB8AC3E}">
@@ -12853,7 +14198,6 @@
               <a:rPr lang="en-US" dirty="0"/>
               <a:t>Computing NP-Representative</a:t>
             </a:r>
-            <a:endParaRPr lang="en-US" dirty="0"/>
           </a:p>
         </p:txBody>
       </p:sp>
@@ -13023,6 +14367,52 @@
           </a:prstGeom>
         </p:spPr>
       </p:pic>
+      <p:sp>
+        <p:nvSpPr>
+          <p:cNvPr id="6" name="Footer Placeholder 5"/>
+          <p:cNvSpPr>
+            <a:spLocks noGrp="1"/>
+          </p:cNvSpPr>
+          <p:nvPr>
+            <p:ph type="ftr" sz="quarter" idx="11"/>
+          </p:nvPr>
+        </p:nvSpPr>
+        <p:spPr/>
+        <p:txBody>
+          <a:bodyPr/>
+          <a:lstStyle/>
+          <a:p>
+            <a:r>
+              <a:rPr lang="en-US" smtClean="0"/>
+              <a:t>Boolean Matching in Logic Synthesis - Sabbir Mahmud Afridi</a:t>
+            </a:r>
+            <a:endParaRPr lang="en-US"/>
+          </a:p>
+        </p:txBody>
+      </p:sp>
+      <p:sp>
+        <p:nvSpPr>
+          <p:cNvPr id="7" name="Slide Number Placeholder 6"/>
+          <p:cNvSpPr>
+            <a:spLocks noGrp="1"/>
+          </p:cNvSpPr>
+          <p:nvPr>
+            <p:ph type="sldNum" sz="quarter" idx="12"/>
+          </p:nvPr>
+        </p:nvSpPr>
+        <p:spPr/>
+        <p:txBody>
+          <a:bodyPr/>
+          <a:lstStyle/>
+          <a:p>
+            <a:fld id="{E5D5CBED-3ACD-49F7-B230-C2C38093803C}" type="slidenum">
+              <a:rPr lang="en-US" smtClean="0"/>
+              <a:t>29</a:t>
+            </a:fld>
+            <a:endParaRPr lang="en-US"/>
+          </a:p>
+        </p:txBody>
+      </p:sp>
     </p:spTree>
     <p:extLst>
       <p:ext uri="{BB962C8B-B14F-4D97-AF65-F5344CB8AC3E}">
@@ -13175,6 +14565,52 @@
           </a:graphicData>
         </a:graphic>
       </p:graphicFrame>
+      <p:sp>
+        <p:nvSpPr>
+          <p:cNvPr id="6" name="Footer Placeholder 5"/>
+          <p:cNvSpPr>
+            <a:spLocks noGrp="1"/>
+          </p:cNvSpPr>
+          <p:nvPr>
+            <p:ph type="ftr" sz="quarter" idx="11"/>
+          </p:nvPr>
+        </p:nvSpPr>
+        <p:spPr/>
+        <p:txBody>
+          <a:bodyPr/>
+          <a:lstStyle/>
+          <a:p>
+            <a:r>
+              <a:rPr lang="en-US" smtClean="0"/>
+              <a:t>Boolean Matching in Logic Synthesis - Sabbir Mahmud Afridi</a:t>
+            </a:r>
+            <a:endParaRPr lang="en-US"/>
+          </a:p>
+        </p:txBody>
+      </p:sp>
+      <p:sp>
+        <p:nvSpPr>
+          <p:cNvPr id="7" name="Slide Number Placeholder 6"/>
+          <p:cNvSpPr>
+            <a:spLocks noGrp="1"/>
+          </p:cNvSpPr>
+          <p:nvPr>
+            <p:ph type="sldNum" sz="quarter" idx="12"/>
+          </p:nvPr>
+        </p:nvSpPr>
+        <p:spPr/>
+        <p:txBody>
+          <a:bodyPr/>
+          <a:lstStyle/>
+          <a:p>
+            <a:fld id="{E5D5CBED-3ACD-49F7-B230-C2C38093803C}" type="slidenum">
+              <a:rPr lang="en-US" smtClean="0"/>
+              <a:t>3</a:t>
+            </a:fld>
+            <a:endParaRPr lang="en-US"/>
+          </a:p>
+        </p:txBody>
+      </p:sp>
     </p:spTree>
     <p:extLst>
       <p:ext uri="{BB962C8B-B14F-4D97-AF65-F5344CB8AC3E}">
@@ -13236,7 +14672,6 @@
               <a:rPr lang="en-US" dirty="0"/>
               <a:t>Computing NP-Representative</a:t>
             </a:r>
-            <a:endParaRPr lang="en-US" dirty="0"/>
           </a:p>
         </p:txBody>
       </p:sp>
@@ -13382,6 +14817,52 @@
           </a:prstGeom>
         </p:spPr>
       </p:pic>
+      <p:sp>
+        <p:nvSpPr>
+          <p:cNvPr id="4" name="Footer Placeholder 3"/>
+          <p:cNvSpPr>
+            <a:spLocks noGrp="1"/>
+          </p:cNvSpPr>
+          <p:nvPr>
+            <p:ph type="ftr" sz="quarter" idx="11"/>
+          </p:nvPr>
+        </p:nvSpPr>
+        <p:spPr/>
+        <p:txBody>
+          <a:bodyPr/>
+          <a:lstStyle/>
+          <a:p>
+            <a:r>
+              <a:rPr lang="en-US" smtClean="0"/>
+              <a:t>Boolean Matching in Logic Synthesis - Sabbir Mahmud Afridi</a:t>
+            </a:r>
+            <a:endParaRPr lang="en-US"/>
+          </a:p>
+        </p:txBody>
+      </p:sp>
+      <p:sp>
+        <p:nvSpPr>
+          <p:cNvPr id="7" name="Slide Number Placeholder 6"/>
+          <p:cNvSpPr>
+            <a:spLocks noGrp="1"/>
+          </p:cNvSpPr>
+          <p:nvPr>
+            <p:ph type="sldNum" sz="quarter" idx="12"/>
+          </p:nvPr>
+        </p:nvSpPr>
+        <p:spPr/>
+        <p:txBody>
+          <a:bodyPr/>
+          <a:lstStyle/>
+          <a:p>
+            <a:fld id="{E5D5CBED-3ACD-49F7-B230-C2C38093803C}" type="slidenum">
+              <a:rPr lang="en-US" smtClean="0"/>
+              <a:t>30</a:t>
+            </a:fld>
+            <a:endParaRPr lang="en-US"/>
+          </a:p>
+        </p:txBody>
+      </p:sp>
     </p:spTree>
     <p:extLst>
       <p:ext uri="{BB962C8B-B14F-4D97-AF65-F5344CB8AC3E}">
@@ -13443,7 +14924,6 @@
               <a:rPr lang="en-US" dirty="0"/>
               <a:t>Computing NP-Representative</a:t>
             </a:r>
-            <a:endParaRPr lang="en-US" dirty="0"/>
           </a:p>
         </p:txBody>
       </p:sp>
@@ -13589,6 +15069,52 @@
           </a:prstGeom>
         </p:spPr>
       </p:pic>
+      <p:sp>
+        <p:nvSpPr>
+          <p:cNvPr id="6" name="Footer Placeholder 5"/>
+          <p:cNvSpPr>
+            <a:spLocks noGrp="1"/>
+          </p:cNvSpPr>
+          <p:nvPr>
+            <p:ph type="ftr" sz="quarter" idx="11"/>
+          </p:nvPr>
+        </p:nvSpPr>
+        <p:spPr/>
+        <p:txBody>
+          <a:bodyPr/>
+          <a:lstStyle/>
+          <a:p>
+            <a:r>
+              <a:rPr lang="en-US" smtClean="0"/>
+              <a:t>Boolean Matching in Logic Synthesis - Sabbir Mahmud Afridi</a:t>
+            </a:r>
+            <a:endParaRPr lang="en-US"/>
+          </a:p>
+        </p:txBody>
+      </p:sp>
+      <p:sp>
+        <p:nvSpPr>
+          <p:cNvPr id="7" name="Slide Number Placeholder 6"/>
+          <p:cNvSpPr>
+            <a:spLocks noGrp="1"/>
+          </p:cNvSpPr>
+          <p:nvPr>
+            <p:ph type="sldNum" sz="quarter" idx="12"/>
+          </p:nvPr>
+        </p:nvSpPr>
+        <p:spPr/>
+        <p:txBody>
+          <a:bodyPr/>
+          <a:lstStyle/>
+          <a:p>
+            <a:fld id="{E5D5CBED-3ACD-49F7-B230-C2C38093803C}" type="slidenum">
+              <a:rPr lang="en-US" smtClean="0"/>
+              <a:t>31</a:t>
+            </a:fld>
+            <a:endParaRPr lang="en-US"/>
+          </a:p>
+        </p:txBody>
+      </p:sp>
     </p:spTree>
     <p:extLst>
       <p:ext uri="{BB962C8B-B14F-4D97-AF65-F5344CB8AC3E}">
@@ -13869,6 +15395,52 @@
               <a:rPr lang="en-US" sz="2400" dirty="0"/>
               <a:t>is used practically while logic synthesis for commonly used circuits.</a:t>
             </a:r>
+          </a:p>
+        </p:txBody>
+      </p:sp>
+      <p:sp>
+        <p:nvSpPr>
+          <p:cNvPr id="4" name="Footer Placeholder 3"/>
+          <p:cNvSpPr>
+            <a:spLocks noGrp="1"/>
+          </p:cNvSpPr>
+          <p:nvPr>
+            <p:ph type="ftr" sz="quarter" idx="11"/>
+          </p:nvPr>
+        </p:nvSpPr>
+        <p:spPr/>
+        <p:txBody>
+          <a:bodyPr/>
+          <a:lstStyle/>
+          <a:p>
+            <a:r>
+              <a:rPr lang="en-US" smtClean="0"/>
+              <a:t>Boolean Matching in Logic Synthesis - Sabbir Mahmud Afridi</a:t>
+            </a:r>
+            <a:endParaRPr lang="en-US"/>
+          </a:p>
+        </p:txBody>
+      </p:sp>
+      <p:sp>
+        <p:nvSpPr>
+          <p:cNvPr id="7" name="Slide Number Placeholder 6"/>
+          <p:cNvSpPr>
+            <a:spLocks noGrp="1"/>
+          </p:cNvSpPr>
+          <p:nvPr>
+            <p:ph type="sldNum" sz="quarter" idx="12"/>
+          </p:nvPr>
+        </p:nvSpPr>
+        <p:spPr/>
+        <p:txBody>
+          <a:bodyPr/>
+          <a:lstStyle/>
+          <a:p>
+            <a:fld id="{E5D5CBED-3ACD-49F7-B230-C2C38093803C}" type="slidenum">
+              <a:rPr lang="en-US" smtClean="0"/>
+              <a:t>32</a:t>
+            </a:fld>
+            <a:endParaRPr lang="en-US"/>
           </a:p>
         </p:txBody>
       </p:sp>
@@ -13933,6 +15505,52 @@
           </a:prstGeom>
         </p:spPr>
       </p:pic>
+      <p:sp>
+        <p:nvSpPr>
+          <p:cNvPr id="2" name="Footer Placeholder 1"/>
+          <p:cNvSpPr>
+            <a:spLocks noGrp="1"/>
+          </p:cNvSpPr>
+          <p:nvPr>
+            <p:ph type="ftr" sz="quarter" idx="11"/>
+          </p:nvPr>
+        </p:nvSpPr>
+        <p:spPr/>
+        <p:txBody>
+          <a:bodyPr/>
+          <a:lstStyle/>
+          <a:p>
+            <a:r>
+              <a:rPr lang="en-US" smtClean="0"/>
+              <a:t>Boolean Matching in Logic Synthesis - Sabbir Mahmud Afridi</a:t>
+            </a:r>
+            <a:endParaRPr lang="en-US"/>
+          </a:p>
+        </p:txBody>
+      </p:sp>
+      <p:sp>
+        <p:nvSpPr>
+          <p:cNvPr id="3" name="Slide Number Placeholder 2"/>
+          <p:cNvSpPr>
+            <a:spLocks noGrp="1"/>
+          </p:cNvSpPr>
+          <p:nvPr>
+            <p:ph type="sldNum" sz="quarter" idx="12"/>
+          </p:nvPr>
+        </p:nvSpPr>
+        <p:spPr/>
+        <p:txBody>
+          <a:bodyPr/>
+          <a:lstStyle/>
+          <a:p>
+            <a:fld id="{E5D5CBED-3ACD-49F7-B230-C2C38093803C}" type="slidenum">
+              <a:rPr lang="en-US" smtClean="0"/>
+              <a:t>33</a:t>
+            </a:fld>
+            <a:endParaRPr lang="en-US"/>
+          </a:p>
+        </p:txBody>
+      </p:sp>
     </p:spTree>
     <p:extLst>
       <p:ext uri="{BB962C8B-B14F-4D97-AF65-F5344CB8AC3E}">
@@ -14045,6 +15663,52 @@
           </a:prstGeom>
         </p:spPr>
       </p:pic>
+      <p:sp>
+        <p:nvSpPr>
+          <p:cNvPr id="3" name="Footer Placeholder 2"/>
+          <p:cNvSpPr>
+            <a:spLocks noGrp="1"/>
+          </p:cNvSpPr>
+          <p:nvPr>
+            <p:ph type="ftr" sz="quarter" idx="11"/>
+          </p:nvPr>
+        </p:nvSpPr>
+        <p:spPr/>
+        <p:txBody>
+          <a:bodyPr/>
+          <a:lstStyle/>
+          <a:p>
+            <a:r>
+              <a:rPr lang="en-US" smtClean="0"/>
+              <a:t>Boolean Matching in Logic Synthesis - Sabbir Mahmud Afridi</a:t>
+            </a:r>
+            <a:endParaRPr lang="en-US"/>
+          </a:p>
+        </p:txBody>
+      </p:sp>
+      <p:sp>
+        <p:nvSpPr>
+          <p:cNvPr id="4" name="Slide Number Placeholder 3"/>
+          <p:cNvSpPr>
+            <a:spLocks noGrp="1"/>
+          </p:cNvSpPr>
+          <p:nvPr>
+            <p:ph type="sldNum" sz="quarter" idx="12"/>
+          </p:nvPr>
+        </p:nvSpPr>
+        <p:spPr/>
+        <p:txBody>
+          <a:bodyPr/>
+          <a:lstStyle/>
+          <a:p>
+            <a:fld id="{E5D5CBED-3ACD-49F7-B230-C2C38093803C}" type="slidenum">
+              <a:rPr lang="en-US" smtClean="0"/>
+              <a:t>4</a:t>
+            </a:fld>
+            <a:endParaRPr lang="en-US"/>
+          </a:p>
+        </p:txBody>
+      </p:sp>
     </p:spTree>
     <p:extLst>
       <p:ext uri="{BB962C8B-B14F-4D97-AF65-F5344CB8AC3E}">
@@ -14241,6 +15905,52 @@
           </a:fontRef>
         </p:style>
       </p:cxnSp>
+      <p:sp>
+        <p:nvSpPr>
+          <p:cNvPr id="4" name="Footer Placeholder 3"/>
+          <p:cNvSpPr>
+            <a:spLocks noGrp="1"/>
+          </p:cNvSpPr>
+          <p:nvPr>
+            <p:ph type="ftr" sz="quarter" idx="11"/>
+          </p:nvPr>
+        </p:nvSpPr>
+        <p:spPr/>
+        <p:txBody>
+          <a:bodyPr/>
+          <a:lstStyle/>
+          <a:p>
+            <a:r>
+              <a:rPr lang="en-US" smtClean="0"/>
+              <a:t>Boolean Matching in Logic Synthesis - Sabbir Mahmud Afridi</a:t>
+            </a:r>
+            <a:endParaRPr lang="en-US"/>
+          </a:p>
+        </p:txBody>
+      </p:sp>
+      <p:sp>
+        <p:nvSpPr>
+          <p:cNvPr id="6" name="Slide Number Placeholder 5"/>
+          <p:cNvSpPr>
+            <a:spLocks noGrp="1"/>
+          </p:cNvSpPr>
+          <p:nvPr>
+            <p:ph type="sldNum" sz="quarter" idx="12"/>
+          </p:nvPr>
+        </p:nvSpPr>
+        <p:spPr/>
+        <p:txBody>
+          <a:bodyPr/>
+          <a:lstStyle/>
+          <a:p>
+            <a:fld id="{E5D5CBED-3ACD-49F7-B230-C2C38093803C}" type="slidenum">
+              <a:rPr lang="en-US" smtClean="0"/>
+              <a:t>5</a:t>
+            </a:fld>
+            <a:endParaRPr lang="en-US"/>
+          </a:p>
+        </p:txBody>
+      </p:sp>
     </p:spTree>
     <p:extLst>
       <p:ext uri="{BB962C8B-B14F-4D97-AF65-F5344CB8AC3E}">
@@ -14414,6 +16124,52 @@
           </a:prstGeom>
         </p:spPr>
       </p:pic>
+      <p:sp>
+        <p:nvSpPr>
+          <p:cNvPr id="6" name="Footer Placeholder 5"/>
+          <p:cNvSpPr>
+            <a:spLocks noGrp="1"/>
+          </p:cNvSpPr>
+          <p:nvPr>
+            <p:ph type="ftr" sz="quarter" idx="11"/>
+          </p:nvPr>
+        </p:nvSpPr>
+        <p:spPr/>
+        <p:txBody>
+          <a:bodyPr/>
+          <a:lstStyle/>
+          <a:p>
+            <a:r>
+              <a:rPr lang="en-US" smtClean="0"/>
+              <a:t>Boolean Matching in Logic Synthesis - Sabbir Mahmud Afridi</a:t>
+            </a:r>
+            <a:endParaRPr lang="en-US"/>
+          </a:p>
+        </p:txBody>
+      </p:sp>
+      <p:sp>
+        <p:nvSpPr>
+          <p:cNvPr id="7" name="Slide Number Placeholder 6"/>
+          <p:cNvSpPr>
+            <a:spLocks noGrp="1"/>
+          </p:cNvSpPr>
+          <p:nvPr>
+            <p:ph type="sldNum" sz="quarter" idx="12"/>
+          </p:nvPr>
+        </p:nvSpPr>
+        <p:spPr/>
+        <p:txBody>
+          <a:bodyPr/>
+          <a:lstStyle/>
+          <a:p>
+            <a:fld id="{E5D5CBED-3ACD-49F7-B230-C2C38093803C}" type="slidenum">
+              <a:rPr lang="en-US" smtClean="0"/>
+              <a:t>6</a:t>
+            </a:fld>
+            <a:endParaRPr lang="en-US"/>
+          </a:p>
+        </p:txBody>
+      </p:sp>
     </p:spTree>
     <p:extLst>
       <p:ext uri="{BB962C8B-B14F-4D97-AF65-F5344CB8AC3E}">
@@ -14783,6 +16539,52 @@
           </a:p>
         </p:txBody>
       </p:sp>
+      <p:sp>
+        <p:nvSpPr>
+          <p:cNvPr id="4" name="Footer Placeholder 3"/>
+          <p:cNvSpPr>
+            <a:spLocks noGrp="1"/>
+          </p:cNvSpPr>
+          <p:nvPr>
+            <p:ph type="ftr" sz="quarter" idx="11"/>
+          </p:nvPr>
+        </p:nvSpPr>
+        <p:spPr/>
+        <p:txBody>
+          <a:bodyPr/>
+          <a:lstStyle/>
+          <a:p>
+            <a:r>
+              <a:rPr lang="en-US" smtClean="0"/>
+              <a:t>Boolean Matching in Logic Synthesis - Sabbir Mahmud Afridi</a:t>
+            </a:r>
+            <a:endParaRPr lang="en-US"/>
+          </a:p>
+        </p:txBody>
+      </p:sp>
+      <p:sp>
+        <p:nvSpPr>
+          <p:cNvPr id="8" name="Slide Number Placeholder 7"/>
+          <p:cNvSpPr>
+            <a:spLocks noGrp="1"/>
+          </p:cNvSpPr>
+          <p:nvPr>
+            <p:ph type="sldNum" sz="quarter" idx="12"/>
+          </p:nvPr>
+        </p:nvSpPr>
+        <p:spPr/>
+        <p:txBody>
+          <a:bodyPr/>
+          <a:lstStyle/>
+          <a:p>
+            <a:fld id="{E5D5CBED-3ACD-49F7-B230-C2C38093803C}" type="slidenum">
+              <a:rPr lang="en-US" smtClean="0"/>
+              <a:t>7</a:t>
+            </a:fld>
+            <a:endParaRPr lang="en-US"/>
+          </a:p>
+        </p:txBody>
+      </p:sp>
     </p:spTree>
     <p:extLst>
       <p:ext uri="{BB962C8B-B14F-4D97-AF65-F5344CB8AC3E}">
@@ -15056,6 +16858,52 @@
           </a:fontRef>
         </p:style>
       </p:cxnSp>
+      <p:sp>
+        <p:nvSpPr>
+          <p:cNvPr id="4" name="Footer Placeholder 3"/>
+          <p:cNvSpPr>
+            <a:spLocks noGrp="1"/>
+          </p:cNvSpPr>
+          <p:nvPr>
+            <p:ph type="ftr" sz="quarter" idx="11"/>
+          </p:nvPr>
+        </p:nvSpPr>
+        <p:spPr/>
+        <p:txBody>
+          <a:bodyPr/>
+          <a:lstStyle/>
+          <a:p>
+            <a:r>
+              <a:rPr lang="en-US" smtClean="0"/>
+              <a:t>Boolean Matching in Logic Synthesis - Sabbir Mahmud Afridi</a:t>
+            </a:r>
+            <a:endParaRPr lang="en-US"/>
+          </a:p>
+        </p:txBody>
+      </p:sp>
+      <p:sp>
+        <p:nvSpPr>
+          <p:cNvPr id="6" name="Slide Number Placeholder 5"/>
+          <p:cNvSpPr>
+            <a:spLocks noGrp="1"/>
+          </p:cNvSpPr>
+          <p:nvPr>
+            <p:ph type="sldNum" sz="quarter" idx="12"/>
+          </p:nvPr>
+        </p:nvSpPr>
+        <p:spPr/>
+        <p:txBody>
+          <a:bodyPr/>
+          <a:lstStyle/>
+          <a:p>
+            <a:fld id="{E5D5CBED-3ACD-49F7-B230-C2C38093803C}" type="slidenum">
+              <a:rPr lang="en-US" smtClean="0"/>
+              <a:t>8</a:t>
+            </a:fld>
+            <a:endParaRPr lang="en-US"/>
+          </a:p>
+        </p:txBody>
+      </p:sp>
     </p:spTree>
     <p:extLst>
       <p:ext uri="{BB962C8B-B14F-4D97-AF65-F5344CB8AC3E}">
@@ -15199,6 +17047,52 @@
           </a:prstGeom>
         </p:spPr>
       </p:pic>
+      <p:sp>
+        <p:nvSpPr>
+          <p:cNvPr id="3" name="Footer Placeholder 2"/>
+          <p:cNvSpPr>
+            <a:spLocks noGrp="1"/>
+          </p:cNvSpPr>
+          <p:nvPr>
+            <p:ph type="ftr" sz="quarter" idx="11"/>
+          </p:nvPr>
+        </p:nvSpPr>
+        <p:spPr/>
+        <p:txBody>
+          <a:bodyPr/>
+          <a:lstStyle/>
+          <a:p>
+            <a:r>
+              <a:rPr lang="en-US" smtClean="0"/>
+              <a:t>Boolean Matching in Logic Synthesis - Sabbir Mahmud Afridi</a:t>
+            </a:r>
+            <a:endParaRPr lang="en-US"/>
+          </a:p>
+        </p:txBody>
+      </p:sp>
+      <p:sp>
+        <p:nvSpPr>
+          <p:cNvPr id="4" name="Slide Number Placeholder 3"/>
+          <p:cNvSpPr>
+            <a:spLocks noGrp="1"/>
+          </p:cNvSpPr>
+          <p:nvPr>
+            <p:ph type="sldNum" sz="quarter" idx="12"/>
+          </p:nvPr>
+        </p:nvSpPr>
+        <p:spPr/>
+        <p:txBody>
+          <a:bodyPr/>
+          <a:lstStyle/>
+          <a:p>
+            <a:fld id="{E5D5CBED-3ACD-49F7-B230-C2C38093803C}" type="slidenum">
+              <a:rPr lang="en-US" smtClean="0"/>
+              <a:t>9</a:t>
+            </a:fld>
+            <a:endParaRPr lang="en-US"/>
+          </a:p>
+        </p:txBody>
+      </p:sp>
     </p:spTree>
     <p:extLst>
       <p:ext uri="{BB962C8B-B14F-4D97-AF65-F5344CB8AC3E}">
@@ -15478,4 +17372,265 @@
     </a:ext>
   </a:extLst>
 </a:theme>
+</file>
+
+<file path=ppt/theme/theme2.xml><?xml version="1.0" encoding="utf-8"?>
+<a:theme xmlns:a="http://schemas.openxmlformats.org/drawingml/2006/main" name="Office Theme">
+  <a:themeElements>
+    <a:clrScheme name="Office">
+      <a:dk1>
+        <a:sysClr val="windowText" lastClr="000000"/>
+      </a:dk1>
+      <a:lt1>
+        <a:sysClr val="window" lastClr="FFFFFF"/>
+      </a:lt1>
+      <a:dk2>
+        <a:srgbClr val="44546A"/>
+      </a:dk2>
+      <a:lt2>
+        <a:srgbClr val="E7E6E6"/>
+      </a:lt2>
+      <a:accent1>
+        <a:srgbClr val="5B9BD5"/>
+      </a:accent1>
+      <a:accent2>
+        <a:srgbClr val="ED7D31"/>
+      </a:accent2>
+      <a:accent3>
+        <a:srgbClr val="A5A5A5"/>
+      </a:accent3>
+      <a:accent4>
+        <a:srgbClr val="FFC000"/>
+      </a:accent4>
+      <a:accent5>
+        <a:srgbClr val="4472C4"/>
+      </a:accent5>
+      <a:accent6>
+        <a:srgbClr val="70AD47"/>
+      </a:accent6>
+      <a:hlink>
+        <a:srgbClr val="0563C1"/>
+      </a:hlink>
+      <a:folHlink>
+        <a:srgbClr val="954F72"/>
+      </a:folHlink>
+    </a:clrScheme>
+    <a:fontScheme name="Office">
+      <a:majorFont>
+        <a:latin typeface="Calibri Light" panose="020F0302020204030204"/>
+        <a:ea typeface=""/>
+        <a:cs typeface=""/>
+        <a:font script="Jpan" typeface="游ゴシック Light"/>
+        <a:font script="Hang" typeface="맑은 고딕"/>
+        <a:font script="Hans" typeface="等线 Light"/>
+        <a:font script="Hant" typeface="新細明體"/>
+        <a:font script="Arab" typeface="Times New Roman"/>
+        <a:font script="Hebr" typeface="Times New Roman"/>
+        <a:font script="Thai" typeface="Angsana New"/>
+        <a:font script="Ethi" typeface="Nyala"/>
+        <a:font script="Beng" typeface="Vrinda"/>
+        <a:font script="Gujr" typeface="Shruti"/>
+        <a:font script="Khmr" typeface="MoolBoran"/>
+        <a:font script="Knda" typeface="Tunga"/>
+        <a:font script="Guru" typeface="Raavi"/>
+        <a:font script="Cans" typeface="Euphemia"/>
+        <a:font script="Cher" typeface="Plantagenet Cherokee"/>
+        <a:font script="Yiii" typeface="Microsoft Yi Baiti"/>
+        <a:font script="Tibt" typeface="Microsoft Himalaya"/>
+        <a:font script="Thaa" typeface="MV Boli"/>
+        <a:font script="Deva" typeface="Mangal"/>
+        <a:font script="Telu" typeface="Gautami"/>
+        <a:font script="Taml" typeface="Latha"/>
+        <a:font script="Syrc" typeface="Estrangelo Edessa"/>
+        <a:font script="Orya" typeface="Kalinga"/>
+        <a:font script="Mlym" typeface="Kartika"/>
+        <a:font script="Laoo" typeface="DokChampa"/>
+        <a:font script="Sinh" typeface="Iskoola Pota"/>
+        <a:font script="Mong" typeface="Mongolian Baiti"/>
+        <a:font script="Viet" typeface="Times New Roman"/>
+        <a:font script="Uigh" typeface="Microsoft Uighur"/>
+        <a:font script="Geor" typeface="Sylfaen"/>
+      </a:majorFont>
+      <a:minorFont>
+        <a:latin typeface="Calibri" panose="020F0502020204030204"/>
+        <a:ea typeface=""/>
+        <a:cs typeface=""/>
+        <a:font script="Jpan" typeface="游ゴシック"/>
+        <a:font script="Hang" typeface="맑은 고딕"/>
+        <a:font script="Hans" typeface="等线"/>
+        <a:font script="Hant" typeface="新細明體"/>
+        <a:font script="Arab" typeface="Arial"/>
+        <a:font script="Hebr" typeface="Arial"/>
+        <a:font script="Thai" typeface="Cordia New"/>
+        <a:font script="Ethi" typeface="Nyala"/>
+        <a:font script="Beng" typeface="Vrinda"/>
+        <a:font script="Gujr" typeface="Shruti"/>
+        <a:font script="Khmr" typeface="DaunPenh"/>
+        <a:font script="Knda" typeface="Tunga"/>
+        <a:font script="Guru" typeface="Raavi"/>
+        <a:font script="Cans" typeface="Euphemia"/>
+        <a:font script="Cher" typeface="Plantagenet Cherokee"/>
+        <a:font script="Yiii" typeface="Microsoft Yi Baiti"/>
+        <a:font script="Tibt" typeface="Microsoft Himalaya"/>
+        <a:font script="Thaa" typeface="MV Boli"/>
+        <a:font script="Deva" typeface="Mangal"/>
+        <a:font script="Telu" typeface="Gautami"/>
+        <a:font script="Taml" typeface="Latha"/>
+        <a:font script="Syrc" typeface="Estrangelo Edessa"/>
+        <a:font script="Orya" typeface="Kalinga"/>
+        <a:font script="Mlym" typeface="Kartika"/>
+        <a:font script="Laoo" typeface="DokChampa"/>
+        <a:font script="Sinh" typeface="Iskoola Pota"/>
+        <a:font script="Mong" typeface="Mongolian Baiti"/>
+        <a:font script="Viet" typeface="Arial"/>
+        <a:font script="Uigh" typeface="Microsoft Uighur"/>
+        <a:font script="Geor" typeface="Sylfaen"/>
+      </a:minorFont>
+    </a:fontScheme>
+    <a:fmtScheme name="Office">
+      <a:fillStyleLst>
+        <a:solidFill>
+          <a:schemeClr val="phClr"/>
+        </a:solidFill>
+        <a:gradFill rotWithShape="1">
+          <a:gsLst>
+            <a:gs pos="0">
+              <a:schemeClr val="phClr">
+                <a:lumMod val="110000"/>
+                <a:satMod val="105000"/>
+                <a:tint val="67000"/>
+              </a:schemeClr>
+            </a:gs>
+            <a:gs pos="50000">
+              <a:schemeClr val="phClr">
+                <a:lumMod val="105000"/>
+                <a:satMod val="103000"/>
+                <a:tint val="73000"/>
+              </a:schemeClr>
+            </a:gs>
+            <a:gs pos="100000">
+              <a:schemeClr val="phClr">
+                <a:lumMod val="105000"/>
+                <a:satMod val="109000"/>
+                <a:tint val="81000"/>
+              </a:schemeClr>
+            </a:gs>
+          </a:gsLst>
+          <a:lin ang="5400000" scaled="0"/>
+        </a:gradFill>
+        <a:gradFill rotWithShape="1">
+          <a:gsLst>
+            <a:gs pos="0">
+              <a:schemeClr val="phClr">
+                <a:satMod val="103000"/>
+                <a:lumMod val="102000"/>
+                <a:tint val="94000"/>
+              </a:schemeClr>
+            </a:gs>
+            <a:gs pos="50000">
+              <a:schemeClr val="phClr">
+                <a:satMod val="110000"/>
+                <a:lumMod val="100000"/>
+                <a:shade val="100000"/>
+              </a:schemeClr>
+            </a:gs>
+            <a:gs pos="100000">
+              <a:schemeClr val="phClr">
+                <a:lumMod val="99000"/>
+                <a:satMod val="120000"/>
+                <a:shade val="78000"/>
+              </a:schemeClr>
+            </a:gs>
+          </a:gsLst>
+          <a:lin ang="5400000" scaled="0"/>
+        </a:gradFill>
+      </a:fillStyleLst>
+      <a:lnStyleLst>
+        <a:ln w="6350" cap="flat" cmpd="sng" algn="ctr">
+          <a:solidFill>
+            <a:schemeClr val="phClr"/>
+          </a:solidFill>
+          <a:prstDash val="solid"/>
+          <a:miter lim="800000"/>
+        </a:ln>
+        <a:ln w="12700" cap="flat" cmpd="sng" algn="ctr">
+          <a:solidFill>
+            <a:schemeClr val="phClr"/>
+          </a:solidFill>
+          <a:prstDash val="solid"/>
+          <a:miter lim="800000"/>
+        </a:ln>
+        <a:ln w="19050" cap="flat" cmpd="sng" algn="ctr">
+          <a:solidFill>
+            <a:schemeClr val="phClr"/>
+          </a:solidFill>
+          <a:prstDash val="solid"/>
+          <a:miter lim="800000"/>
+        </a:ln>
+      </a:lnStyleLst>
+      <a:effectStyleLst>
+        <a:effectStyle>
+          <a:effectLst/>
+        </a:effectStyle>
+        <a:effectStyle>
+          <a:effectLst/>
+        </a:effectStyle>
+        <a:effectStyle>
+          <a:effectLst>
+            <a:outerShdw blurRad="57150" dist="19050" dir="5400000" algn="ctr" rotWithShape="0">
+              <a:srgbClr val="000000">
+                <a:alpha val="63000"/>
+              </a:srgbClr>
+            </a:outerShdw>
+          </a:effectLst>
+        </a:effectStyle>
+      </a:effectStyleLst>
+      <a:bgFillStyleLst>
+        <a:solidFill>
+          <a:schemeClr val="phClr"/>
+        </a:solidFill>
+        <a:solidFill>
+          <a:schemeClr val="phClr">
+            <a:tint val="95000"/>
+            <a:satMod val="170000"/>
+          </a:schemeClr>
+        </a:solidFill>
+        <a:gradFill rotWithShape="1">
+          <a:gsLst>
+            <a:gs pos="0">
+              <a:schemeClr val="phClr">
+                <a:tint val="93000"/>
+                <a:satMod val="150000"/>
+                <a:shade val="98000"/>
+                <a:lumMod val="102000"/>
+              </a:schemeClr>
+            </a:gs>
+            <a:gs pos="50000">
+              <a:schemeClr val="phClr">
+                <a:tint val="98000"/>
+                <a:satMod val="130000"/>
+                <a:shade val="90000"/>
+                <a:lumMod val="103000"/>
+              </a:schemeClr>
+            </a:gs>
+            <a:gs pos="100000">
+              <a:schemeClr val="phClr">
+                <a:shade val="63000"/>
+                <a:satMod val="120000"/>
+              </a:schemeClr>
+            </a:gs>
+          </a:gsLst>
+          <a:lin ang="5400000" scaled="0"/>
+        </a:gradFill>
+      </a:bgFillStyleLst>
+    </a:fmtScheme>
+  </a:themeElements>
+  <a:objectDefaults/>
+  <a:extraClrSchemeLst/>
+  <a:extLst>
+    <a:ext uri="{05A4C25C-085E-4340-85A3-A5531E510DB2}">
+      <thm15:themeFamily xmlns:thm15="http://schemas.microsoft.com/office/thememl/2012/main" name="Office Theme" id="{62F939B6-93AF-4DB8-9C6B-D6C7DFDC589F}" vid="{4A3C46E8-61CC-4603-A589-7422A47A8E4A}"/>
+    </a:ext>
+  </a:extLst>
+</a:theme>
 </file>